--- a/Editables/Fase 3 - Construção.pptx
+++ b/Editables/Fase 3 - Construção.pptx
@@ -142,6 +142,14 @@
 </p:presentation>
 </file>
 
+<file path=ppt/revisionInfo.xml><?xml version="1.0" encoding="utf-8"?>
+<p1510:revInfo xmlns:a="http://schemas.openxmlformats.org/drawingml/2006/main" xmlns:r="http://schemas.openxmlformats.org/officeDocument/2006/relationships" xmlns:p1510="http://schemas.microsoft.com/office/powerpoint/2015/10/main">
+  <p1510:revLst>
+    <p1510:client id="{E6087568-9E66-4C67-8420-88369500C5DA}" v="304" dt="2023-05-17T15:54:57.082"/>
+  </p1510:revLst>
+</p1510:revInfo>
+</file>
+
 <file path=ppt/changesInfos/changesInfo1.xml><?xml version="1.0" encoding="utf-8"?>
 <pc:chgInfo xmlns:a="http://schemas.openxmlformats.org/drawingml/2006/main" xmlns:r="http://schemas.openxmlformats.org/officeDocument/2006/relationships" xmlns:ac="http://schemas.microsoft.com/office/drawing/2013/main/command" xmlns:pc="http://schemas.microsoft.com/office/powerpoint/2013/main/command">
   <pc:docChgLst>
@@ -571,8 +579,8 @@
   </pc:docChgLst>
   <pc:docChgLst>
     <pc:chgData name="Tiago Fonseca" userId="0bf00240-3020-4d01-a24b-06825a2f49d7" providerId="ADAL" clId="{E6087568-9E66-4C67-8420-88369500C5DA}"/>
-    <pc:docChg chg="custSel addSld delSld modSld">
-      <pc:chgData name="Tiago Fonseca" userId="0bf00240-3020-4d01-a24b-06825a2f49d7" providerId="ADAL" clId="{E6087568-9E66-4C67-8420-88369500C5DA}" dt="2023-05-17T15:25:25.841" v="245" actId="20577"/>
+    <pc:docChg chg="undo custSel addSld delSld modSld">
+      <pc:chgData name="Tiago Fonseca" userId="0bf00240-3020-4d01-a24b-06825a2f49d7" providerId="ADAL" clId="{E6087568-9E66-4C67-8420-88369500C5DA}" dt="2023-05-17T15:55:11.849" v="752" actId="1076"/>
       <pc:docMkLst>
         <pc:docMk/>
       </pc:docMkLst>
@@ -606,8 +614,8 @@
           </ac:spMkLst>
         </pc:spChg>
       </pc:sldChg>
-      <pc:sldChg chg="modSp mod">
-        <pc:chgData name="Tiago Fonseca" userId="0bf00240-3020-4d01-a24b-06825a2f49d7" providerId="ADAL" clId="{E6087568-9E66-4C67-8420-88369500C5DA}" dt="2023-05-17T15:24:43.586" v="184" actId="20577"/>
+      <pc:sldChg chg="addSp delSp modSp mod">
+        <pc:chgData name="Tiago Fonseca" userId="0bf00240-3020-4d01-a24b-06825a2f49d7" providerId="ADAL" clId="{E6087568-9E66-4C67-8420-88369500C5DA}" dt="2023-05-17T15:55:11.849" v="752" actId="1076"/>
         <pc:sldMkLst>
           <pc:docMk/>
           <pc:sldMk cId="1489756019" sldId="277"/>
@@ -620,6 +628,54 @@
             <ac:spMk id="2" creationId="{931451AD-4895-B705-D9DD-AE4EECD87102}"/>
           </ac:spMkLst>
         </pc:spChg>
+        <pc:spChg chg="del">
+          <ac:chgData name="Tiago Fonseca" userId="0bf00240-3020-4d01-a24b-06825a2f49d7" providerId="ADAL" clId="{E6087568-9E66-4C67-8420-88369500C5DA}" dt="2023-05-17T15:52:25.790" v="645" actId="478"/>
+          <ac:spMkLst>
+            <pc:docMk/>
+            <pc:sldMk cId="1489756019" sldId="277"/>
+            <ac:spMk id="3" creationId="{19D03FC5-AAFD-D05F-F5BB-2BCF0AE0B45C}"/>
+          </ac:spMkLst>
+        </pc:spChg>
+        <pc:spChg chg="add del mod">
+          <ac:chgData name="Tiago Fonseca" userId="0bf00240-3020-4d01-a24b-06825a2f49d7" providerId="ADAL" clId="{E6087568-9E66-4C67-8420-88369500C5DA}" dt="2023-05-17T15:52:28.297" v="647" actId="478"/>
+          <ac:spMkLst>
+            <pc:docMk/>
+            <pc:sldMk cId="1489756019" sldId="277"/>
+            <ac:spMk id="5" creationId="{F3877713-C286-C2D3-DEA6-89B0A0E077FF}"/>
+          </ac:spMkLst>
+        </pc:spChg>
+        <pc:spChg chg="add del mod">
+          <ac:chgData name="Tiago Fonseca" userId="0bf00240-3020-4d01-a24b-06825a2f49d7" providerId="ADAL" clId="{E6087568-9E66-4C67-8420-88369500C5DA}" dt="2023-05-17T15:52:27.103" v="646" actId="478"/>
+          <ac:spMkLst>
+            <pc:docMk/>
+            <pc:sldMk cId="1489756019" sldId="277"/>
+            <ac:spMk id="7" creationId="{E0542AA6-5B12-2EF4-D76E-E048D094DD56}"/>
+          </ac:spMkLst>
+        </pc:spChg>
+        <pc:spChg chg="del">
+          <ac:chgData name="Tiago Fonseca" userId="0bf00240-3020-4d01-a24b-06825a2f49d7" providerId="ADAL" clId="{E6087568-9E66-4C67-8420-88369500C5DA}" dt="2023-05-17T15:52:23.862" v="644" actId="478"/>
+          <ac:spMkLst>
+            <pc:docMk/>
+            <pc:sldMk cId="1489756019" sldId="277"/>
+            <ac:spMk id="10" creationId="{99A10B4A-0393-C129-933B-C652D1A19476}"/>
+          </ac:spMkLst>
+        </pc:spChg>
+        <pc:picChg chg="add mod">
+          <ac:chgData name="Tiago Fonseca" userId="0bf00240-3020-4d01-a24b-06825a2f49d7" providerId="ADAL" clId="{E6087568-9E66-4C67-8420-88369500C5DA}" dt="2023-05-17T15:55:11.849" v="752" actId="1076"/>
+          <ac:picMkLst>
+            <pc:docMk/>
+            <pc:sldMk cId="1489756019" sldId="277"/>
+            <ac:picMk id="9" creationId="{00C5EE42-8150-CB92-B759-B505AD943BCD}"/>
+          </ac:picMkLst>
+        </pc:picChg>
+        <pc:picChg chg="del">
+          <ac:chgData name="Tiago Fonseca" userId="0bf00240-3020-4d01-a24b-06825a2f49d7" providerId="ADAL" clId="{E6087568-9E66-4C67-8420-88369500C5DA}" dt="2023-05-17T15:52:28.984" v="648" actId="478"/>
+          <ac:picMkLst>
+            <pc:docMk/>
+            <pc:sldMk cId="1489756019" sldId="277"/>
+            <ac:picMk id="14" creationId="{776C1E57-4FCA-B5C8-00AF-657B17C1D566}"/>
+          </ac:picMkLst>
+        </pc:picChg>
       </pc:sldChg>
       <pc:sldChg chg="modSp mod">
         <pc:chgData name="Tiago Fonseca" userId="0bf00240-3020-4d01-a24b-06825a2f49d7" providerId="ADAL" clId="{E6087568-9E66-4C67-8420-88369500C5DA}" dt="2023-05-17T15:23:04.069" v="36" actId="20577"/>
@@ -666,8 +722,8 @@
           </ac:spMkLst>
         </pc:spChg>
       </pc:sldChg>
-      <pc:sldChg chg="modSp mod">
-        <pc:chgData name="Tiago Fonseca" userId="0bf00240-3020-4d01-a24b-06825a2f49d7" providerId="ADAL" clId="{E6087568-9E66-4C67-8420-88369500C5DA}" dt="2023-05-17T15:24:00.287" v="140" actId="20577"/>
+      <pc:sldChg chg="addSp delSp modSp mod">
+        <pc:chgData name="Tiago Fonseca" userId="0bf00240-3020-4d01-a24b-06825a2f49d7" providerId="ADAL" clId="{E6087568-9E66-4C67-8420-88369500C5DA}" dt="2023-05-17T15:51:53.444" v="643" actId="20577"/>
         <pc:sldMkLst>
           <pc:docMk/>
           <pc:sldMk cId="2855269777" sldId="282"/>
@@ -680,6 +736,118 @@
             <ac:spMk id="2" creationId="{98A32DE6-6B29-7489-635B-950DAAB3B577}"/>
           </ac:spMkLst>
         </pc:spChg>
+        <pc:spChg chg="del">
+          <ac:chgData name="Tiago Fonseca" userId="0bf00240-3020-4d01-a24b-06825a2f49d7" providerId="ADAL" clId="{E6087568-9E66-4C67-8420-88369500C5DA}" dt="2023-05-17T15:33:58.026" v="246" actId="478"/>
+          <ac:spMkLst>
+            <pc:docMk/>
+            <pc:sldMk cId="2855269777" sldId="282"/>
+            <ac:spMk id="3" creationId="{E82AFDAC-88B1-3AB9-A268-4DF9CBD41DFE}"/>
+          </ac:spMkLst>
+        </pc:spChg>
+        <pc:spChg chg="del">
+          <ac:chgData name="Tiago Fonseca" userId="0bf00240-3020-4d01-a24b-06825a2f49d7" providerId="ADAL" clId="{E6087568-9E66-4C67-8420-88369500C5DA}" dt="2023-05-17T15:34:08.944" v="248" actId="478"/>
+          <ac:spMkLst>
+            <pc:docMk/>
+            <pc:sldMk cId="2855269777" sldId="282"/>
+            <ac:spMk id="4" creationId="{92CFAAB8-82E9-6F73-6CC3-681D1C6495C1}"/>
+          </ac:spMkLst>
+        </pc:spChg>
+        <pc:spChg chg="del">
+          <ac:chgData name="Tiago Fonseca" userId="0bf00240-3020-4d01-a24b-06825a2f49d7" providerId="ADAL" clId="{E6087568-9E66-4C67-8420-88369500C5DA}" dt="2023-05-17T15:34:10.019" v="249" actId="478"/>
+          <ac:spMkLst>
+            <pc:docMk/>
+            <pc:sldMk cId="2855269777" sldId="282"/>
+            <ac:spMk id="5" creationId="{523D7428-4450-98A4-7C9A-A059F73C4BBB}"/>
+          </ac:spMkLst>
+        </pc:spChg>
+        <pc:spChg chg="add del mod">
+          <ac:chgData name="Tiago Fonseca" userId="0bf00240-3020-4d01-a24b-06825a2f49d7" providerId="ADAL" clId="{E6087568-9E66-4C67-8420-88369500C5DA}" dt="2023-05-17T15:34:13.879" v="251"/>
+          <ac:spMkLst>
+            <pc:docMk/>
+            <pc:sldMk cId="2855269777" sldId="282"/>
+            <ac:spMk id="7" creationId="{40546524-E15D-6DEC-2473-E207FE33940F}"/>
+          </ac:spMkLst>
+        </pc:spChg>
+        <pc:spChg chg="add del mod">
+          <ac:chgData name="Tiago Fonseca" userId="0bf00240-3020-4d01-a24b-06825a2f49d7" providerId="ADAL" clId="{E6087568-9E66-4C67-8420-88369500C5DA}" dt="2023-05-17T15:51:53.444" v="643" actId="20577"/>
+          <ac:spMkLst>
+            <pc:docMk/>
+            <pc:sldMk cId="2855269777" sldId="282"/>
+            <ac:spMk id="25" creationId="{755E53B2-5520-6E8D-8CAB-B271D144BFA6}"/>
+          </ac:spMkLst>
+        </pc:spChg>
+        <pc:picChg chg="add mod">
+          <ac:chgData name="Tiago Fonseca" userId="0bf00240-3020-4d01-a24b-06825a2f49d7" providerId="ADAL" clId="{E6087568-9E66-4C67-8420-88369500C5DA}" dt="2023-05-17T15:50:48.169" v="579" actId="1038"/>
+          <ac:picMkLst>
+            <pc:docMk/>
+            <pc:sldMk cId="2855269777" sldId="282"/>
+            <ac:picMk id="8" creationId="{A0483AA2-5778-A9BA-0090-1DE993A20FAA}"/>
+          </ac:picMkLst>
+        </pc:picChg>
+        <pc:picChg chg="add del mod">
+          <ac:chgData name="Tiago Fonseca" userId="0bf00240-3020-4d01-a24b-06825a2f49d7" providerId="ADAL" clId="{E6087568-9E66-4C67-8420-88369500C5DA}" dt="2023-05-17T15:39:21.002" v="306" actId="478"/>
+          <ac:picMkLst>
+            <pc:docMk/>
+            <pc:sldMk cId="2855269777" sldId="282"/>
+            <ac:picMk id="10" creationId="{D2236EEE-FD3A-5586-45EC-DFB4A45A052D}"/>
+          </ac:picMkLst>
+        </pc:picChg>
+        <pc:picChg chg="add del mod">
+          <ac:chgData name="Tiago Fonseca" userId="0bf00240-3020-4d01-a24b-06825a2f49d7" providerId="ADAL" clId="{E6087568-9E66-4C67-8420-88369500C5DA}" dt="2023-05-17T15:39:19.944" v="305" actId="478"/>
+          <ac:picMkLst>
+            <pc:docMk/>
+            <pc:sldMk cId="2855269777" sldId="282"/>
+            <ac:picMk id="12" creationId="{6147AB06-CAEC-7BD7-CBD2-9C5071B92FC3}"/>
+          </ac:picMkLst>
+        </pc:picChg>
+        <pc:picChg chg="add del mod">
+          <ac:chgData name="Tiago Fonseca" userId="0bf00240-3020-4d01-a24b-06825a2f49d7" providerId="ADAL" clId="{E6087568-9E66-4C67-8420-88369500C5DA}" dt="2023-05-17T15:42:22.010" v="416" actId="478"/>
+          <ac:picMkLst>
+            <pc:docMk/>
+            <pc:sldMk cId="2855269777" sldId="282"/>
+            <ac:picMk id="14" creationId="{B75422AF-E4F8-09DF-2BB6-225E45B7FCB2}"/>
+          </ac:picMkLst>
+        </pc:picChg>
+        <pc:picChg chg="add del mod">
+          <ac:chgData name="Tiago Fonseca" userId="0bf00240-3020-4d01-a24b-06825a2f49d7" providerId="ADAL" clId="{E6087568-9E66-4C67-8420-88369500C5DA}" dt="2023-05-17T15:43:59.476" v="444" actId="478"/>
+          <ac:picMkLst>
+            <pc:docMk/>
+            <pc:sldMk cId="2855269777" sldId="282"/>
+            <ac:picMk id="16" creationId="{F1C9A541-7851-FF4F-6749-43C08CB4A131}"/>
+          </ac:picMkLst>
+        </pc:picChg>
+        <pc:picChg chg="add mod">
+          <ac:chgData name="Tiago Fonseca" userId="0bf00240-3020-4d01-a24b-06825a2f49d7" providerId="ADAL" clId="{E6087568-9E66-4C67-8420-88369500C5DA}" dt="2023-05-17T15:50:44.887" v="571" actId="1038"/>
+          <ac:picMkLst>
+            <pc:docMk/>
+            <pc:sldMk cId="2855269777" sldId="282"/>
+            <ac:picMk id="18" creationId="{7DCB987D-7684-AD7D-58E6-89941F2AD818}"/>
+          </ac:picMkLst>
+        </pc:picChg>
+        <pc:picChg chg="add mod modCrop">
+          <ac:chgData name="Tiago Fonseca" userId="0bf00240-3020-4d01-a24b-06825a2f49d7" providerId="ADAL" clId="{E6087568-9E66-4C67-8420-88369500C5DA}" dt="2023-05-17T15:50:44.887" v="571" actId="1038"/>
+          <ac:picMkLst>
+            <pc:docMk/>
+            <pc:sldMk cId="2855269777" sldId="282"/>
+            <ac:picMk id="20" creationId="{9FB24E0D-6FB9-03DD-E86D-CC648A1CE684}"/>
+          </ac:picMkLst>
+        </pc:picChg>
+        <pc:picChg chg="add mod modCrop">
+          <ac:chgData name="Tiago Fonseca" userId="0bf00240-3020-4d01-a24b-06825a2f49d7" providerId="ADAL" clId="{E6087568-9E66-4C67-8420-88369500C5DA}" dt="2023-05-17T15:50:44.887" v="571" actId="1038"/>
+          <ac:picMkLst>
+            <pc:docMk/>
+            <pc:sldMk cId="2855269777" sldId="282"/>
+            <ac:picMk id="22" creationId="{FF220D31-1EB1-3986-1338-BE16F72102AD}"/>
+          </ac:picMkLst>
+        </pc:picChg>
+        <pc:picChg chg="add mod">
+          <ac:chgData name="Tiago Fonseca" userId="0bf00240-3020-4d01-a24b-06825a2f49d7" providerId="ADAL" clId="{E6087568-9E66-4C67-8420-88369500C5DA}" dt="2023-05-17T15:50:44.887" v="571" actId="1038"/>
+          <ac:picMkLst>
+            <pc:docMk/>
+            <pc:sldMk cId="2855269777" sldId="282"/>
+            <ac:picMk id="24" creationId="{511D8B16-8B9E-628C-23BB-CDF52DB39E38}"/>
+          </ac:picMkLst>
+        </pc:picChg>
       </pc:sldChg>
       <pc:sldChg chg="del">
         <pc:chgData name="Tiago Fonseca" userId="0bf00240-3020-4d01-a24b-06825a2f49d7" providerId="ADAL" clId="{E6087568-9E66-4C67-8420-88369500C5DA}" dt="2023-05-17T15:24:59.278" v="185" actId="47"/>
@@ -9763,576 +9931,299 @@
           </a:p>
         </p:txBody>
       </p:sp>
-      <p:sp>
-        <p:nvSpPr>
-          <p:cNvPr id="3" name="Marcador de Posição de Conteúdo 2">
+      <p:pic>
+        <p:nvPicPr>
+          <p:cNvPr id="8" name="Google Shape;262;p26">
             <a:extLst>
               <a:ext uri="{FF2B5EF4-FFF2-40B4-BE49-F238E27FC236}">
-                <a16:creationId xmlns:a16="http://schemas.microsoft.com/office/drawing/2014/main" id="{E82AFDAC-88B1-3AB9-A268-4DF9CBD41DFE}"/>
+                <a16:creationId xmlns:a16="http://schemas.microsoft.com/office/drawing/2014/main" id="{A0483AA2-5778-A9BA-0090-1DE993A20FAA}"/>
               </a:ext>
             </a:extLst>
           </p:cNvPr>
-          <p:cNvSpPr>
-            <a:spLocks noGrp="1"/>
-          </p:cNvSpPr>
+          <p:cNvPicPr preferRelativeResize="0">
+            <a:picLocks noGrp="1"/>
+          </p:cNvPicPr>
           <p:nvPr>
             <p:ph idx="1"/>
           </p:nvPr>
-        </p:nvSpPr>
+        </p:nvPicPr>
+        <p:blipFill>
+          <a:blip r:embed="rId2">
+            <a:alphaModFix/>
+          </a:blip>
+          <a:stretch>
+            <a:fillRect/>
+          </a:stretch>
+        </p:blipFill>
         <p:spPr>
           <a:xfrm>
-            <a:off x="1451579" y="2015732"/>
-            <a:ext cx="3425221" cy="3450613"/>
+            <a:off x="1913201" y="2155370"/>
+            <a:ext cx="1287199" cy="1273629"/>
           </a:xfrm>
+          <a:prstGeom prst="rect">
+            <a:avLst/>
+          </a:prstGeom>
+          <a:noFill/>
+          <a:ln>
+            <a:noFill/>
+          </a:ln>
         </p:spPr>
-        <p:txBody>
-          <a:bodyPr/>
-          <a:lstStyle/>
-          <a:p>
-            <a:pPr marL="0" indent="0">
-              <a:buNone/>
-            </a:pPr>
-            <a:r>
-              <a:rPr lang="pt-PT" dirty="0"/>
-              <a:t>Operações Financeiras</a:t>
-            </a:r>
-          </a:p>
-          <a:p>
-            <a:r>
-              <a:rPr lang="pt-PT" dirty="0"/>
-              <a:t>Adicionar Crédito</a:t>
-            </a:r>
-          </a:p>
-          <a:p>
-            <a:r>
-              <a:rPr lang="pt-PT" dirty="0"/>
-              <a:t>Remover Crédito</a:t>
-            </a:r>
-          </a:p>
-        </p:txBody>
-      </p:sp>
-      <p:sp>
-        <p:nvSpPr>
-          <p:cNvPr id="4" name="Marcador de Posição de Conteúdo 2">
+      </p:pic>
+      <p:pic>
+        <p:nvPicPr>
+          <p:cNvPr id="18" name="Imagem 17" descr="Uma imagem com logótipo, símbolo, Gráficos, design&#10;&#10;Descrição gerada automaticamente">
             <a:extLst>
               <a:ext uri="{FF2B5EF4-FFF2-40B4-BE49-F238E27FC236}">
-                <a16:creationId xmlns:a16="http://schemas.microsoft.com/office/drawing/2014/main" id="{92CFAAB8-82E9-6F73-6CC3-681D1C6495C1}"/>
+                <a16:creationId xmlns:a16="http://schemas.microsoft.com/office/drawing/2014/main" id="{7DCB987D-7684-AD7D-58E6-89941F2AD818}"/>
               </a:ext>
             </a:extLst>
           </p:cNvPr>
-          <p:cNvSpPr txBox="1">
-            <a:spLocks/>
-          </p:cNvSpPr>
+          <p:cNvPicPr>
+            <a:picLocks noChangeAspect="1"/>
+          </p:cNvPicPr>
           <p:nvPr/>
-        </p:nvSpPr>
+        </p:nvPicPr>
+        <p:blipFill>
+          <a:blip r:embed="rId3">
+            <a:extLst>
+              <a:ext uri="{BEBA8EAE-BF5A-486C-A8C5-ECC9F3942E4B}">
+                <a14:imgProps xmlns:a14="http://schemas.microsoft.com/office/drawing/2010/main">
+                  <a14:imgLayer r:embed="rId4">
+                    <a14:imgEffect>
+                      <a14:backgroundRemoval t="8228" b="91139" l="9916" r="89662">
+                        <a14:foregroundMark x1="56329" y1="40506" x2="56329" y2="40506"/>
+                        <a14:foregroundMark x1="54219" y1="46835" x2="57384" y2="43671"/>
+                        <a14:foregroundMark x1="56751" y1="56118" x2="61181" y2="57173"/>
+                        <a14:foregroundMark x1="48312" y1="8228" x2="49789" y2="9072"/>
+                        <a14:foregroundMark x1="63291" y1="9072" x2="65401" y2="8650"/>
+                        <a14:foregroundMark x1="34599" y1="9072" x2="37131" y2="9072"/>
+                        <a14:foregroundMark x1="52954" y1="91139" x2="47679" y2="90717"/>
+                        <a14:foregroundMark x1="59283" y1="34599" x2="61181" y2="62658"/>
+                      </a14:backgroundRemoval>
+                    </a14:imgEffect>
+                  </a14:imgLayer>
+                </a14:imgProps>
+              </a:ext>
+            </a:extLst>
+          </a:blip>
+          <a:stretch>
+            <a:fillRect/>
+          </a:stretch>
+        </p:blipFill>
         <p:spPr>
           <a:xfrm>
-            <a:off x="7808610" y="2015731"/>
-            <a:ext cx="3425221" cy="3450613"/>
+            <a:off x="3552826" y="1943100"/>
+            <a:ext cx="1729469" cy="1729469"/>
           </a:xfrm>
           <a:prstGeom prst="rect">
             <a:avLst/>
           </a:prstGeom>
         </p:spPr>
-        <p:txBody>
-          <a:bodyPr vert="horz" lIns="91440" tIns="45720" rIns="91440" bIns="45720" rtlCol="0" anchor="t">
-            <a:normAutofit/>
-          </a:bodyPr>
-          <a:lstStyle>
-            <a:lvl1pPr marL="228600" indent="-228600" algn="l" defTabSz="914400" rtl="0" eaLnBrk="1" latinLnBrk="0" hangingPunct="1">
-              <a:lnSpc>
-                <a:spcPct val="120000"/>
-              </a:lnSpc>
-              <a:spcBef>
-                <a:spcPts val="1000"/>
-              </a:spcBef>
-              <a:buClr>
-                <a:schemeClr val="accent1"/>
-              </a:buClr>
-              <a:buSzPct val="100000"/>
-              <a:buFont typeface="Arial" panose="020B0604020202020204" pitchFamily="34" charset="0"/>
-              <a:buChar char="•"/>
-              <a:defRPr sz="2000" kern="1200">
-                <a:solidFill>
-                  <a:schemeClr val="tx1"/>
-                </a:solidFill>
-                <a:effectLst/>
-                <a:latin typeface="+mn-lt"/>
-                <a:ea typeface="+mn-ea"/>
-                <a:cs typeface="+mn-cs"/>
-              </a:defRPr>
-            </a:lvl1pPr>
-            <a:lvl2pPr marL="685800" indent="-228600" algn="l" defTabSz="914400" rtl="0" eaLnBrk="1" latinLnBrk="0" hangingPunct="1">
-              <a:lnSpc>
-                <a:spcPct val="120000"/>
-              </a:lnSpc>
-              <a:spcBef>
-                <a:spcPts val="500"/>
-              </a:spcBef>
-              <a:buClr>
-                <a:schemeClr val="accent1"/>
-              </a:buClr>
-              <a:buSzPct val="100000"/>
-              <a:buFont typeface="Arial" panose="020B0604020202020204" pitchFamily="34" charset="0"/>
-              <a:buChar char="•"/>
-              <a:defRPr sz="1800" kern="1200" cap="none" baseline="0">
-                <a:solidFill>
-                  <a:schemeClr val="tx1"/>
-                </a:solidFill>
-                <a:effectLst/>
-                <a:latin typeface="+mn-lt"/>
-                <a:ea typeface="+mn-ea"/>
-                <a:cs typeface="+mn-cs"/>
-              </a:defRPr>
-            </a:lvl2pPr>
-            <a:lvl3pPr marL="1143000" indent="-228600" algn="l" defTabSz="914400" rtl="0" eaLnBrk="1" latinLnBrk="0" hangingPunct="1">
-              <a:lnSpc>
-                <a:spcPct val="120000"/>
-              </a:lnSpc>
-              <a:spcBef>
-                <a:spcPts val="500"/>
-              </a:spcBef>
-              <a:buClr>
-                <a:schemeClr val="accent1"/>
-              </a:buClr>
-              <a:buSzPct val="100000"/>
-              <a:buFont typeface="Arial" panose="020B0604020202020204" pitchFamily="34" charset="0"/>
-              <a:buChar char="•"/>
-              <a:defRPr sz="1600" kern="1200">
-                <a:solidFill>
-                  <a:schemeClr val="tx1"/>
-                </a:solidFill>
-                <a:effectLst/>
-                <a:latin typeface="+mn-lt"/>
-                <a:ea typeface="+mn-ea"/>
-                <a:cs typeface="+mn-cs"/>
-              </a:defRPr>
-            </a:lvl3pPr>
-            <a:lvl4pPr marL="1600200" indent="-228600" algn="l" defTabSz="914400" rtl="0" eaLnBrk="1" latinLnBrk="0" hangingPunct="1">
-              <a:lnSpc>
-                <a:spcPct val="120000"/>
-              </a:lnSpc>
-              <a:spcBef>
-                <a:spcPts val="500"/>
-              </a:spcBef>
-              <a:buClr>
-                <a:schemeClr val="accent1"/>
-              </a:buClr>
-              <a:buSzPct val="100000"/>
-              <a:buFont typeface="Arial" panose="020B0604020202020204" pitchFamily="34" charset="0"/>
-              <a:buChar char="•"/>
-              <a:defRPr sz="1400" kern="1200" cap="none" baseline="0">
-                <a:solidFill>
-                  <a:schemeClr val="tx1"/>
-                </a:solidFill>
-                <a:effectLst/>
-                <a:latin typeface="+mn-lt"/>
-                <a:ea typeface="+mn-ea"/>
-                <a:cs typeface="+mn-cs"/>
-              </a:defRPr>
-            </a:lvl4pPr>
-            <a:lvl5pPr marL="2057400" indent="-228600" algn="l" defTabSz="914400" rtl="0" eaLnBrk="1" latinLnBrk="0" hangingPunct="1">
-              <a:lnSpc>
-                <a:spcPct val="120000"/>
-              </a:lnSpc>
-              <a:spcBef>
-                <a:spcPts val="500"/>
-              </a:spcBef>
-              <a:buClr>
-                <a:schemeClr val="accent1"/>
-              </a:buClr>
-              <a:buSzPct val="100000"/>
-              <a:buFont typeface="Arial" panose="020B0604020202020204" pitchFamily="34" charset="0"/>
-              <a:buChar char="•"/>
-              <a:defRPr sz="1200" kern="1200">
-                <a:solidFill>
-                  <a:schemeClr val="tx1"/>
-                </a:solidFill>
-                <a:effectLst/>
-                <a:latin typeface="+mn-lt"/>
-                <a:ea typeface="+mn-ea"/>
-                <a:cs typeface="+mn-cs"/>
-              </a:defRPr>
-            </a:lvl5pPr>
-            <a:lvl6pPr marL="2514600" indent="-228600" algn="l" defTabSz="914400" rtl="0" eaLnBrk="1" latinLnBrk="0" hangingPunct="1">
-              <a:lnSpc>
-                <a:spcPct val="120000"/>
-              </a:lnSpc>
-              <a:spcBef>
-                <a:spcPts val="500"/>
-              </a:spcBef>
-              <a:buClr>
-                <a:schemeClr val="accent1"/>
-              </a:buClr>
-              <a:buSzPct val="100000"/>
-              <a:buFont typeface="Arial" panose="020B0604020202020204" pitchFamily="34" charset="0"/>
-              <a:buChar char="•"/>
-              <a:defRPr sz="1200" kern="1200">
-                <a:solidFill>
-                  <a:schemeClr val="tx1"/>
-                </a:solidFill>
-                <a:effectLst/>
-                <a:latin typeface="+mn-lt"/>
-                <a:ea typeface="+mn-ea"/>
-                <a:cs typeface="+mn-cs"/>
-              </a:defRPr>
-            </a:lvl6pPr>
-            <a:lvl7pPr marL="2971800" indent="-228600" algn="l" defTabSz="914400" rtl="0" eaLnBrk="1" latinLnBrk="0" hangingPunct="1">
-              <a:lnSpc>
-                <a:spcPct val="120000"/>
-              </a:lnSpc>
-              <a:spcBef>
-                <a:spcPts val="500"/>
-              </a:spcBef>
-              <a:buClr>
-                <a:schemeClr val="accent1"/>
-              </a:buClr>
-              <a:buSzPct val="100000"/>
-              <a:buFont typeface="Arial" panose="020B0604020202020204" pitchFamily="34" charset="0"/>
-              <a:buChar char="•"/>
-              <a:defRPr sz="1200" kern="1200">
-                <a:solidFill>
-                  <a:schemeClr val="tx1"/>
-                </a:solidFill>
-                <a:effectLst/>
-                <a:latin typeface="+mn-lt"/>
-                <a:ea typeface="+mn-ea"/>
-                <a:cs typeface="+mn-cs"/>
-              </a:defRPr>
-            </a:lvl7pPr>
-            <a:lvl8pPr marL="3429000" indent="-228600" algn="l" defTabSz="914400" rtl="0" eaLnBrk="1" latinLnBrk="0" hangingPunct="1">
-              <a:lnSpc>
-                <a:spcPct val="120000"/>
-              </a:lnSpc>
-              <a:spcBef>
-                <a:spcPts val="500"/>
-              </a:spcBef>
-              <a:buClr>
-                <a:schemeClr val="accent1"/>
-              </a:buClr>
-              <a:buSzPct val="100000"/>
-              <a:buFont typeface="Arial" panose="020B0604020202020204" pitchFamily="34" charset="0"/>
-              <a:buChar char="•"/>
-              <a:defRPr sz="1200" kern="1200" baseline="0">
-                <a:solidFill>
-                  <a:schemeClr val="tx1"/>
-                </a:solidFill>
-                <a:effectLst/>
-                <a:latin typeface="+mn-lt"/>
-                <a:ea typeface="+mn-ea"/>
-                <a:cs typeface="+mn-cs"/>
-              </a:defRPr>
-            </a:lvl8pPr>
-            <a:lvl9pPr marL="3886200" indent="-228600" algn="l" defTabSz="914400" rtl="0" eaLnBrk="1" latinLnBrk="0" hangingPunct="1">
-              <a:lnSpc>
-                <a:spcPct val="120000"/>
-              </a:lnSpc>
-              <a:spcBef>
-                <a:spcPts val="500"/>
-              </a:spcBef>
-              <a:buClr>
-                <a:schemeClr val="accent1"/>
-              </a:buClr>
-              <a:buSzPct val="100000"/>
-              <a:buFont typeface="Arial" panose="020B0604020202020204" pitchFamily="34" charset="0"/>
-              <a:buChar char="•"/>
-              <a:defRPr sz="1200" kern="1200" baseline="0">
-                <a:solidFill>
-                  <a:schemeClr val="tx1"/>
-                </a:solidFill>
-                <a:effectLst/>
-                <a:latin typeface="+mn-lt"/>
-                <a:ea typeface="+mn-ea"/>
-                <a:cs typeface="+mn-cs"/>
-              </a:defRPr>
-            </a:lvl9pPr>
-          </a:lstStyle>
-          <a:p>
-            <a:pPr marL="0" indent="0">
-              <a:buFont typeface="Arial" panose="020B0604020202020204" pitchFamily="34" charset="0"/>
-              <a:buNone/>
-            </a:pPr>
-            <a:r>
-              <a:rPr lang="pt-PT" dirty="0"/>
-              <a:t>Gestão da Conta</a:t>
-            </a:r>
-          </a:p>
-          <a:p>
-            <a:r>
-              <a:rPr lang="pt-PT" dirty="0"/>
-              <a:t>Consultar Portfólio</a:t>
-            </a:r>
-          </a:p>
-          <a:p>
-            <a:r>
-              <a:rPr lang="pt-PT" dirty="0"/>
-              <a:t>Consultar Extrato</a:t>
-            </a:r>
-          </a:p>
-          <a:p>
-            <a:r>
-              <a:rPr lang="pt-PT" dirty="0"/>
-              <a:t>Modificar detalhes de conta</a:t>
-            </a:r>
-          </a:p>
-        </p:txBody>
-      </p:sp>
-      <p:sp>
-        <p:nvSpPr>
-          <p:cNvPr id="5" name="Marcador de Posição de Conteúdo 2">
+      </p:pic>
+      <p:pic>
+        <p:nvPicPr>
+          <p:cNvPr id="20" name="Imagem 19" descr="Uma imagem com Gráficos, logótipo, design gráfico, Tipo de letra&#10;&#10;Descrição gerada automaticamente">
             <a:extLst>
               <a:ext uri="{FF2B5EF4-FFF2-40B4-BE49-F238E27FC236}">
-                <a16:creationId xmlns:a16="http://schemas.microsoft.com/office/drawing/2014/main" id="{523D7428-4450-98A4-7C9A-A059F73C4BBB}"/>
+                <a16:creationId xmlns:a16="http://schemas.microsoft.com/office/drawing/2014/main" id="{9FB24E0D-6FB9-03DD-E86D-CC648A1CE684}"/>
               </a:ext>
             </a:extLst>
           </p:cNvPr>
-          <p:cNvSpPr txBox="1">
-            <a:spLocks/>
-          </p:cNvSpPr>
+          <p:cNvPicPr>
+            <a:picLocks noChangeAspect="1"/>
+          </p:cNvPicPr>
           <p:nvPr/>
-        </p:nvSpPr>
+        </p:nvPicPr>
+        <p:blipFill rotWithShape="1">
+          <a:blip r:embed="rId5">
+            <a:extLst>
+              <a:ext uri="{BEBA8EAE-BF5A-486C-A8C5-ECC9F3942E4B}">
+                <a14:imgProps xmlns:a14="http://schemas.microsoft.com/office/drawing/2010/main">
+                  <a14:imgLayer r:embed="rId6">
+                    <a14:imgEffect>
+                      <a14:backgroundRemoval t="10000" b="90000" l="10000" r="90000">
+                        <a14:foregroundMark x1="46063" y1="12700" x2="47188" y2="12400"/>
+                        <a14:foregroundMark x1="42313" y1="14500" x2="42063" y2="16300"/>
+                        <a14:foregroundMark x1="52875" y1="14300" x2="53125" y2="14800"/>
+                        <a14:foregroundMark x1="58938" y1="13500" x2="58938" y2="15700"/>
+                      </a14:backgroundRemoval>
+                    </a14:imgEffect>
+                  </a14:imgLayer>
+                </a14:imgProps>
+              </a:ext>
+            </a:extLst>
+          </a:blip>
+          <a:srcRect l="22993" t="4258" r="25490" b="13317"/>
+          <a:stretch/>
+        </p:blipFill>
         <p:spPr>
           <a:xfrm>
-            <a:off x="4630095" y="2010157"/>
-            <a:ext cx="3425221" cy="3450613"/>
+            <a:off x="5282295" y="1943100"/>
+            <a:ext cx="1729469" cy="1729469"/>
           </a:xfrm>
           <a:prstGeom prst="rect">
             <a:avLst/>
           </a:prstGeom>
         </p:spPr>
+      </p:pic>
+      <p:pic>
+        <p:nvPicPr>
+          <p:cNvPr id="22" name="Imagem 21" descr="Uma imagem com logótipo, símbolo, design, Gráficos&#10;&#10;Descrição gerada automaticamente">
+            <a:extLst>
+              <a:ext uri="{FF2B5EF4-FFF2-40B4-BE49-F238E27FC236}">
+                <a16:creationId xmlns:a16="http://schemas.microsoft.com/office/drawing/2014/main" id="{FF220D31-1EB1-3986-1338-BE16F72102AD}"/>
+              </a:ext>
+            </a:extLst>
+          </p:cNvPr>
+          <p:cNvPicPr>
+            <a:picLocks noChangeAspect="1"/>
+          </p:cNvPicPr>
+          <p:nvPr/>
+        </p:nvPicPr>
+        <p:blipFill rotWithShape="1">
+          <a:blip r:embed="rId7">
+            <a:extLst>
+              <a:ext uri="{BEBA8EAE-BF5A-486C-A8C5-ECC9F3942E4B}">
+                <a14:imgProps xmlns:a14="http://schemas.microsoft.com/office/drawing/2010/main">
+                  <a14:imgLayer r:embed="rId8">
+                    <a14:imgEffect>
+                      <a14:backgroundRemoval t="10000" b="90000" l="10000" r="90000">
+                        <a14:foregroundMark x1="54852" y1="36287" x2="62447" y2="36709"/>
+                        <a14:foregroundMark x1="57384" y1="55907" x2="63502" y2="56118"/>
+                        <a14:foregroundMark x1="54641" y1="12658" x2="56118" y2="13924"/>
+                        <a14:foregroundMark x1="46835" y1="11392" x2="45992" y2="14135"/>
+                      </a14:backgroundRemoval>
+                    </a14:imgEffect>
+                  </a14:imgLayer>
+                </a14:imgProps>
+              </a:ext>
+            </a:extLst>
+          </a:blip>
+          <a:srcRect t="-243" r="4681" b="4923"/>
+          <a:stretch/>
+        </p:blipFill>
+        <p:spPr>
+          <a:xfrm>
+            <a:off x="7011764" y="1943100"/>
+            <a:ext cx="1729469" cy="1729469"/>
+          </a:xfrm>
+          <a:prstGeom prst="rect">
+            <a:avLst/>
+          </a:prstGeom>
+        </p:spPr>
+      </p:pic>
+      <p:pic>
+        <p:nvPicPr>
+          <p:cNvPr id="24" name="Imagem 23" descr="Uma imagem com desenho, texto, esboço, ilustração&#10;&#10;Descrição gerada automaticamente">
+            <a:extLst>
+              <a:ext uri="{FF2B5EF4-FFF2-40B4-BE49-F238E27FC236}">
+                <a16:creationId xmlns:a16="http://schemas.microsoft.com/office/drawing/2014/main" id="{511D8B16-8B9E-628C-23BB-CDF52DB39E38}"/>
+              </a:ext>
+            </a:extLst>
+          </p:cNvPr>
+          <p:cNvPicPr>
+            <a:picLocks noChangeAspect="1"/>
+          </p:cNvPicPr>
+          <p:nvPr/>
+        </p:nvPicPr>
+        <p:blipFill>
+          <a:blip r:embed="rId9">
+            <a:extLst>
+              <a:ext uri="{BEBA8EAE-BF5A-486C-A8C5-ECC9F3942E4B}">
+                <a14:imgProps xmlns:a14="http://schemas.microsoft.com/office/drawing/2010/main">
+                  <a14:imgLayer r:embed="rId10">
+                    <a14:imgEffect>
+                      <a14:backgroundRemoval t="6902" b="91483" l="10000" r="90000">
+                        <a14:foregroundMark x1="37674" y1="27166" x2="37907" y2="29809"/>
+                        <a14:foregroundMark x1="36047" y1="20705" x2="37674" y2="20117"/>
+                        <a14:foregroundMark x1="29535" y1="7048" x2="28953" y2="7342"/>
+                        <a14:foregroundMark x1="35233" y1="46549" x2="36628" y2="47430"/>
+                        <a14:foregroundMark x1="37326" y1="56828" x2="37326" y2="56828"/>
+                        <a14:foregroundMark x1="25465" y1="78561" x2="25000" y2="79883"/>
+                        <a14:foregroundMark x1="39186" y1="80323" x2="39419" y2="82526"/>
+                        <a14:foregroundMark x1="45000" y1="89868" x2="45233" y2="90896"/>
+                        <a14:foregroundMark x1="45233" y1="91483" x2="45233" y2="91483"/>
+                        <a14:foregroundMark x1="58605" y1="87518" x2="60233" y2="88399"/>
+                        <a14:foregroundMark x1="67791" y1="85022" x2="67674" y2="85903"/>
+                        <a14:foregroundMark x1="51628" y1="58590" x2="35814" y2="46843"/>
+                      </a14:backgroundRemoval>
+                    </a14:imgEffect>
+                  </a14:imgLayer>
+                </a14:imgProps>
+              </a:ext>
+            </a:extLst>
+          </a:blip>
+          <a:stretch>
+            <a:fillRect/>
+          </a:stretch>
+        </p:blipFill>
+        <p:spPr>
+          <a:xfrm>
+            <a:off x="8741232" y="2055358"/>
+            <a:ext cx="2042293" cy="1617211"/>
+          </a:xfrm>
+          <a:prstGeom prst="rect">
+            <a:avLst/>
+          </a:prstGeom>
+        </p:spPr>
+      </p:pic>
+      <p:sp>
+        <p:nvSpPr>
+          <p:cNvPr id="25" name="CaixaDeTexto 24">
+            <a:extLst>
+              <a:ext uri="{FF2B5EF4-FFF2-40B4-BE49-F238E27FC236}">
+                <a16:creationId xmlns:a16="http://schemas.microsoft.com/office/drawing/2014/main" id="{755E53B2-5520-6E8D-8CAB-B271D144BFA6}"/>
+              </a:ext>
+            </a:extLst>
+          </p:cNvPr>
+          <p:cNvSpPr txBox="1"/>
+          <p:nvPr/>
+        </p:nvSpPr>
+        <p:spPr>
+          <a:xfrm>
+            <a:off x="1379764" y="3780064"/>
+            <a:ext cx="9675090" cy="923330"/>
+          </a:xfrm>
+          <a:prstGeom prst="rect">
+            <a:avLst/>
+          </a:prstGeom>
+          <a:noFill/>
+        </p:spPr>
         <p:txBody>
-          <a:bodyPr vert="horz" lIns="91440" tIns="45720" rIns="91440" bIns="45720" rtlCol="0" anchor="t">
-            <a:normAutofit/>
+          <a:bodyPr wrap="square" rtlCol="0">
+            <a:spAutoFit/>
           </a:bodyPr>
-          <a:lstStyle>
-            <a:lvl1pPr marL="228600" indent="-228600" algn="l" defTabSz="914400" rtl="0" eaLnBrk="1" latinLnBrk="0" hangingPunct="1">
-              <a:lnSpc>
-                <a:spcPct val="120000"/>
-              </a:lnSpc>
-              <a:spcBef>
-                <a:spcPts val="1000"/>
-              </a:spcBef>
-              <a:buClr>
-                <a:schemeClr val="accent1"/>
-              </a:buClr>
-              <a:buSzPct val="100000"/>
+          <a:lstStyle/>
+          <a:p>
+            <a:pPr marL="285750" indent="-285750">
               <a:buFont typeface="Arial" panose="020B0604020202020204" pitchFamily="34" charset="0"/>
               <a:buChar char="•"/>
-              <a:defRPr sz="2000" kern="1200">
-                <a:solidFill>
-                  <a:schemeClr val="tx1"/>
-                </a:solidFill>
-                <a:effectLst/>
-                <a:latin typeface="+mn-lt"/>
-                <a:ea typeface="+mn-ea"/>
-                <a:cs typeface="+mn-cs"/>
-              </a:defRPr>
-            </a:lvl1pPr>
-            <a:lvl2pPr marL="685800" indent="-228600" algn="l" defTabSz="914400" rtl="0" eaLnBrk="1" latinLnBrk="0" hangingPunct="1">
-              <a:lnSpc>
-                <a:spcPct val="120000"/>
-              </a:lnSpc>
-              <a:spcBef>
-                <a:spcPts val="500"/>
-              </a:spcBef>
-              <a:buClr>
-                <a:schemeClr val="accent1"/>
-              </a:buClr>
-              <a:buSzPct val="100000"/>
+            </a:pPr>
+            <a:r>
+              <a:rPr lang="pt-PT" dirty="0" err="1"/>
+              <a:t>Python</a:t>
+            </a:r>
+            <a:endParaRPr lang="pt-PT" dirty="0"/>
+          </a:p>
+          <a:p>
+            <a:pPr marL="285750" indent="-285750">
               <a:buFont typeface="Arial" panose="020B0604020202020204" pitchFamily="34" charset="0"/>
               <a:buChar char="•"/>
-              <a:defRPr sz="1800" kern="1200" cap="none" baseline="0">
-                <a:solidFill>
-                  <a:schemeClr val="tx1"/>
-                </a:solidFill>
-                <a:effectLst/>
-                <a:latin typeface="+mn-lt"/>
-                <a:ea typeface="+mn-ea"/>
-                <a:cs typeface="+mn-cs"/>
-              </a:defRPr>
-            </a:lvl2pPr>
-            <a:lvl3pPr marL="1143000" indent="-228600" algn="l" defTabSz="914400" rtl="0" eaLnBrk="1" latinLnBrk="0" hangingPunct="1">
-              <a:lnSpc>
-                <a:spcPct val="120000"/>
-              </a:lnSpc>
-              <a:spcBef>
-                <a:spcPts val="500"/>
-              </a:spcBef>
-              <a:buClr>
-                <a:schemeClr val="accent1"/>
-              </a:buClr>
-              <a:buSzPct val="100000"/>
+            </a:pPr>
+            <a:r>
+              <a:rPr lang="pt-PT" dirty="0" err="1"/>
+              <a:t>Flask</a:t>
+            </a:r>
+            <a:endParaRPr lang="pt-PT" dirty="0"/>
+          </a:p>
+          <a:p>
+            <a:pPr marL="285750" indent="-285750">
               <a:buFont typeface="Arial" panose="020B0604020202020204" pitchFamily="34" charset="0"/>
               <a:buChar char="•"/>
-              <a:defRPr sz="1600" kern="1200">
-                <a:solidFill>
-                  <a:schemeClr val="tx1"/>
-                </a:solidFill>
-                <a:effectLst/>
-                <a:latin typeface="+mn-lt"/>
-                <a:ea typeface="+mn-ea"/>
-                <a:cs typeface="+mn-cs"/>
-              </a:defRPr>
-            </a:lvl3pPr>
-            <a:lvl4pPr marL="1600200" indent="-228600" algn="l" defTabSz="914400" rtl="0" eaLnBrk="1" latinLnBrk="0" hangingPunct="1">
-              <a:lnSpc>
-                <a:spcPct val="120000"/>
-              </a:lnSpc>
-              <a:spcBef>
-                <a:spcPts val="500"/>
-              </a:spcBef>
-              <a:buClr>
-                <a:schemeClr val="accent1"/>
-              </a:buClr>
-              <a:buSzPct val="100000"/>
-              <a:buFont typeface="Arial" panose="020B0604020202020204" pitchFamily="34" charset="0"/>
-              <a:buChar char="•"/>
-              <a:defRPr sz="1400" kern="1200" cap="none" baseline="0">
-                <a:solidFill>
-                  <a:schemeClr val="tx1"/>
-                </a:solidFill>
-                <a:effectLst/>
-                <a:latin typeface="+mn-lt"/>
-                <a:ea typeface="+mn-ea"/>
-                <a:cs typeface="+mn-cs"/>
-              </a:defRPr>
-            </a:lvl4pPr>
-            <a:lvl5pPr marL="2057400" indent="-228600" algn="l" defTabSz="914400" rtl="0" eaLnBrk="1" latinLnBrk="0" hangingPunct="1">
-              <a:lnSpc>
-                <a:spcPct val="120000"/>
-              </a:lnSpc>
-              <a:spcBef>
-                <a:spcPts val="500"/>
-              </a:spcBef>
-              <a:buClr>
-                <a:schemeClr val="accent1"/>
-              </a:buClr>
-              <a:buSzPct val="100000"/>
-              <a:buFont typeface="Arial" panose="020B0604020202020204" pitchFamily="34" charset="0"/>
-              <a:buChar char="•"/>
-              <a:defRPr sz="1200" kern="1200">
-                <a:solidFill>
-                  <a:schemeClr val="tx1"/>
-                </a:solidFill>
-                <a:effectLst/>
-                <a:latin typeface="+mn-lt"/>
-                <a:ea typeface="+mn-ea"/>
-                <a:cs typeface="+mn-cs"/>
-              </a:defRPr>
-            </a:lvl5pPr>
-            <a:lvl6pPr marL="2514600" indent="-228600" algn="l" defTabSz="914400" rtl="0" eaLnBrk="1" latinLnBrk="0" hangingPunct="1">
-              <a:lnSpc>
-                <a:spcPct val="120000"/>
-              </a:lnSpc>
-              <a:spcBef>
-                <a:spcPts val="500"/>
-              </a:spcBef>
-              <a:buClr>
-                <a:schemeClr val="accent1"/>
-              </a:buClr>
-              <a:buSzPct val="100000"/>
-              <a:buFont typeface="Arial" panose="020B0604020202020204" pitchFamily="34" charset="0"/>
-              <a:buChar char="•"/>
-              <a:defRPr sz="1200" kern="1200">
-                <a:solidFill>
-                  <a:schemeClr val="tx1"/>
-                </a:solidFill>
-                <a:effectLst/>
-                <a:latin typeface="+mn-lt"/>
-                <a:ea typeface="+mn-ea"/>
-                <a:cs typeface="+mn-cs"/>
-              </a:defRPr>
-            </a:lvl6pPr>
-            <a:lvl7pPr marL="2971800" indent="-228600" algn="l" defTabSz="914400" rtl="0" eaLnBrk="1" latinLnBrk="0" hangingPunct="1">
-              <a:lnSpc>
-                <a:spcPct val="120000"/>
-              </a:lnSpc>
-              <a:spcBef>
-                <a:spcPts val="500"/>
-              </a:spcBef>
-              <a:buClr>
-                <a:schemeClr val="accent1"/>
-              </a:buClr>
-              <a:buSzPct val="100000"/>
-              <a:buFont typeface="Arial" panose="020B0604020202020204" pitchFamily="34" charset="0"/>
-              <a:buChar char="•"/>
-              <a:defRPr sz="1200" kern="1200">
-                <a:solidFill>
-                  <a:schemeClr val="tx1"/>
-                </a:solidFill>
-                <a:effectLst/>
-                <a:latin typeface="+mn-lt"/>
-                <a:ea typeface="+mn-ea"/>
-                <a:cs typeface="+mn-cs"/>
-              </a:defRPr>
-            </a:lvl7pPr>
-            <a:lvl8pPr marL="3429000" indent="-228600" algn="l" defTabSz="914400" rtl="0" eaLnBrk="1" latinLnBrk="0" hangingPunct="1">
-              <a:lnSpc>
-                <a:spcPct val="120000"/>
-              </a:lnSpc>
-              <a:spcBef>
-                <a:spcPts val="500"/>
-              </a:spcBef>
-              <a:buClr>
-                <a:schemeClr val="accent1"/>
-              </a:buClr>
-              <a:buSzPct val="100000"/>
-              <a:buFont typeface="Arial" panose="020B0604020202020204" pitchFamily="34" charset="0"/>
-              <a:buChar char="•"/>
-              <a:defRPr sz="1200" kern="1200" baseline="0">
-                <a:solidFill>
-                  <a:schemeClr val="tx1"/>
-                </a:solidFill>
-                <a:effectLst/>
-                <a:latin typeface="+mn-lt"/>
-                <a:ea typeface="+mn-ea"/>
-                <a:cs typeface="+mn-cs"/>
-              </a:defRPr>
-            </a:lvl8pPr>
-            <a:lvl9pPr marL="3886200" indent="-228600" algn="l" defTabSz="914400" rtl="0" eaLnBrk="1" latinLnBrk="0" hangingPunct="1">
-              <a:lnSpc>
-                <a:spcPct val="120000"/>
-              </a:lnSpc>
-              <a:spcBef>
-                <a:spcPts val="500"/>
-              </a:spcBef>
-              <a:buClr>
-                <a:schemeClr val="accent1"/>
-              </a:buClr>
-              <a:buSzPct val="100000"/>
-              <a:buFont typeface="Arial" panose="020B0604020202020204" pitchFamily="34" charset="0"/>
-              <a:buChar char="•"/>
-              <a:defRPr sz="1200" kern="1200" baseline="0">
-                <a:solidFill>
-                  <a:schemeClr val="tx1"/>
-                </a:solidFill>
-                <a:effectLst/>
-                <a:latin typeface="+mn-lt"/>
-                <a:ea typeface="+mn-ea"/>
-                <a:cs typeface="+mn-cs"/>
-              </a:defRPr>
-            </a:lvl9pPr>
-          </a:lstStyle>
-          <a:p>
-            <a:pPr marL="0" indent="0">
-              <a:buFont typeface="Arial" panose="020B0604020202020204" pitchFamily="34" charset="0"/>
-              <a:buNone/>
             </a:pPr>
             <a:r>
               <a:rPr lang="pt-PT" dirty="0"/>
-              <a:t>Comunicação e Apoio</a:t>
-            </a:r>
-          </a:p>
-          <a:p>
-            <a:r>
-              <a:rPr lang="pt-PT" dirty="0"/>
-              <a:t>Comunicação entre utilizadores</a:t>
-            </a:r>
-          </a:p>
-          <a:p>
-            <a:r>
-              <a:rPr lang="pt-PT" dirty="0"/>
-              <a:t>Recurso a especialistas através de “chat”</a:t>
+              <a:t>HTML, CSS, JS</a:t>
             </a:r>
           </a:p>
         </p:txBody>
@@ -10853,134 +10744,12 @@
           </a:p>
         </p:txBody>
       </p:sp>
-      <p:sp>
-        <p:nvSpPr>
-          <p:cNvPr id="3" name="Marcador de Posição do Texto 2">
+      <p:pic>
+        <p:nvPicPr>
+          <p:cNvPr id="9" name="Imagem 8" descr="Uma imagem com texto, diagrama, captura de ecrã, Paralelo&#10;&#10;Descrição gerada automaticamente">
             <a:extLst>
               <a:ext uri="{FF2B5EF4-FFF2-40B4-BE49-F238E27FC236}">
-                <a16:creationId xmlns:a16="http://schemas.microsoft.com/office/drawing/2014/main" id="{19D03FC5-AAFD-D05F-F5BB-2BCF0AE0B45C}"/>
-              </a:ext>
-            </a:extLst>
-          </p:cNvPr>
-          <p:cNvSpPr>
-            <a:spLocks noGrp="1"/>
-          </p:cNvSpPr>
-          <p:nvPr>
-            <p:ph type="body" idx="1"/>
-          </p:nvPr>
-        </p:nvSpPr>
-        <p:spPr/>
-        <p:txBody>
-          <a:bodyPr/>
-          <a:lstStyle/>
-          <a:p>
-            <a:r>
-              <a:rPr lang="pt-PT" dirty="0"/>
-              <a:t>cliente</a:t>
-            </a:r>
-          </a:p>
-        </p:txBody>
-      </p:sp>
-      <p:sp>
-        <p:nvSpPr>
-          <p:cNvPr id="10" name="Marcador de Posição de Conteúdo 9">
-            <a:extLst>
-              <a:ext uri="{FF2B5EF4-FFF2-40B4-BE49-F238E27FC236}">
-                <a16:creationId xmlns:a16="http://schemas.microsoft.com/office/drawing/2014/main" id="{99A10B4A-0393-C129-933B-C652D1A19476}"/>
-              </a:ext>
-            </a:extLst>
-          </p:cNvPr>
-          <p:cNvSpPr>
-            <a:spLocks noGrp="1"/>
-          </p:cNvSpPr>
-          <p:nvPr>
-            <p:ph sz="half" idx="2"/>
-          </p:nvPr>
-        </p:nvSpPr>
-        <p:spPr>
-          <a:xfrm>
-            <a:off x="1447191" y="2824269"/>
-            <a:ext cx="5771756" cy="2644457"/>
-          </a:xfrm>
-        </p:spPr>
-        <p:txBody>
-          <a:bodyPr>
-            <a:normAutofit fontScale="92500" lnSpcReduction="20000"/>
-          </a:bodyPr>
-          <a:lstStyle/>
-          <a:p>
-            <a:pPr marL="0" indent="0">
-              <a:buNone/>
-            </a:pPr>
-            <a:r>
-              <a:rPr lang="pt-PT" b="1" u="sng" dirty="0"/>
-              <a:t>Nome: </a:t>
-            </a:r>
-            <a:r>
-              <a:rPr lang="pt-PT" dirty="0"/>
-              <a:t>Maria Soares</a:t>
-            </a:r>
-          </a:p>
-          <a:p>
-            <a:pPr marL="0" indent="0">
-              <a:buNone/>
-            </a:pPr>
-            <a:r>
-              <a:rPr lang="pt-PT" b="1" u="sng" dirty="0"/>
-              <a:t>Idade: </a:t>
-            </a:r>
-            <a:r>
-              <a:rPr lang="pt-PT" dirty="0"/>
-              <a:t>28</a:t>
-            </a:r>
-          </a:p>
-          <a:p>
-            <a:pPr marL="0" indent="0">
-              <a:buNone/>
-            </a:pPr>
-            <a:r>
-              <a:rPr lang="pt-PT" b="1" u="sng" dirty="0"/>
-              <a:t>Trabalho: </a:t>
-            </a:r>
-            <a:r>
-              <a:rPr lang="pt-PT" dirty="0"/>
-              <a:t>Enfermeira</a:t>
-            </a:r>
-          </a:p>
-          <a:p>
-            <a:pPr marL="0" indent="0">
-              <a:buNone/>
-            </a:pPr>
-            <a:r>
-              <a:rPr lang="pt-PT" b="1" u="sng" dirty="0"/>
-              <a:t>Background: </a:t>
-            </a:r>
-            <a:r>
-              <a:rPr lang="pt-PT" dirty="0"/>
-              <a:t>Investia regularmente no mercado de ações, parou por instabilidade no setor</a:t>
-            </a:r>
-          </a:p>
-          <a:p>
-            <a:pPr marL="0" indent="0">
-              <a:buNone/>
-            </a:pPr>
-            <a:r>
-              <a:rPr lang="pt-PT" b="1" u="sng" dirty="0"/>
-              <a:t>Motivações e Objetivos: </a:t>
-            </a:r>
-            <a:r>
-              <a:rPr lang="pt-PT" dirty="0"/>
-              <a:t>Pretende melhorar as suas finanças e obter um bom crédito à habitação</a:t>
-            </a:r>
-          </a:p>
-        </p:txBody>
-      </p:sp>
-      <p:pic>
-        <p:nvPicPr>
-          <p:cNvPr id="14" name="Imagem 13" descr="Uma imagem com pessoa, ar livre, relva&#10;&#10;Descrição gerada automaticamente">
-            <a:extLst>
-              <a:ext uri="{FF2B5EF4-FFF2-40B4-BE49-F238E27FC236}">
-                <a16:creationId xmlns:a16="http://schemas.microsoft.com/office/drawing/2014/main" id="{776C1E57-4FCA-B5C8-00AF-657B17C1D566}"/>
+                <a16:creationId xmlns:a16="http://schemas.microsoft.com/office/drawing/2014/main" id="{00C5EE42-8150-CB92-B759-B505AD943BCD}"/>
               </a:ext>
             </a:extLst>
           </p:cNvPr>
@@ -10997,8 +10766,8 @@
         </p:blipFill>
         <p:spPr>
           <a:xfrm>
-            <a:off x="8371505" y="2019549"/>
-            <a:ext cx="2373304" cy="3561347"/>
+            <a:off x="3755801" y="1948843"/>
+            <a:ext cx="4680397" cy="4081114"/>
           </a:xfrm>
           <a:prstGeom prst="rect">
             <a:avLst/>
@@ -12319,23 +12088,6 @@
 </file>
 
 <file path=customXml/item1.xml><?xml version="1.0" encoding="utf-8"?>
-<p:properties xmlns:p="http://schemas.microsoft.com/office/2006/metadata/properties" xmlns:xsi="http://www.w3.org/2001/XMLSchema-instance" xmlns:pc="http://schemas.microsoft.com/office/infopath/2007/PartnerControls">
-  <documentManagement>
-    <MediaServiceKeyPoints xmlns="71af3243-3dd4-4a8d-8c0d-dd76da1f02a5" xsi:nil="true"/>
-  </documentManagement>
-</p:properties>
-</file>
-
-<file path=customXml/item2.xml><?xml version="1.0" encoding="utf-8"?>
-<?mso-contentType ?>
-<FormTemplates xmlns="http://schemas.microsoft.com/sharepoint/v3/contenttype/forms">
-  <Display>DocumentLibraryForm</Display>
-  <Edit>DocumentLibraryForm</Edit>
-  <New>DocumentLibraryForm</New>
-</FormTemplates>
-</file>
-
-<file path=customXml/item3.xml><?xml version="1.0" encoding="utf-8"?>
 <ct:contentTypeSchema xmlns:ct="http://schemas.microsoft.com/office/2006/metadata/contentType" xmlns:ma="http://schemas.microsoft.com/office/2006/metadata/properties/metaAttributes" ct:_="" ma:_="" ma:contentTypeName="Document" ma:contentTypeID="0x01010079F111ED35F8CC479449609E8A0923A6" ma:contentTypeVersion="11" ma:contentTypeDescription="Create a new document." ma:contentTypeScope="" ma:versionID="1c2eb7a32e66fb6e4260f3771546a5e2">
   <xsd:schema xmlns:xsd="http://www.w3.org/2001/XMLSchema" xmlns:xs="http://www.w3.org/2001/XMLSchema" xmlns:p="http://schemas.microsoft.com/office/2006/metadata/properties" xmlns:ns2="71af3243-3dd4-4a8d-8c0d-dd76da1f02a5" xmlns:ns3="16c05727-aa75-4e4a-9b5f-8a80a1165891" targetNamespace="http://schemas.microsoft.com/office/2006/metadata/properties" ma:root="true" ma:fieldsID="04e1f6479c48b08974ba73b5ca973489" ns2:_="" ns3:_="">
     <xsd:import namespace="71af3243-3dd4-4a8d-8c0d-dd76da1f02a5"/>
@@ -12546,32 +12298,24 @@
 </ct:contentTypeSchema>
 </file>
 
-<file path=customXml/itemProps1.xml><?xml version="1.0" encoding="utf-8"?>
-<ds:datastoreItem xmlns:ds="http://schemas.openxmlformats.org/officeDocument/2006/customXml" ds:itemID="{0DAABB37-1599-4AE8-818C-82E84CA93DF4}">
-  <ds:schemaRefs>
-    <ds:schemaRef ds:uri="http://purl.org/dc/elements/1.1/"/>
-    <ds:schemaRef ds:uri="http://schemas.microsoft.com/office/infopath/2007/PartnerControls"/>
-    <ds:schemaRef ds:uri="http://purl.org/dc/dcmitype/"/>
-    <ds:schemaRef ds:uri="71af3243-3dd4-4a8d-8c0d-dd76da1f02a5"/>
-    <ds:schemaRef ds:uri="16c05727-aa75-4e4a-9b5f-8a80a1165891"/>
-    <ds:schemaRef ds:uri="http://purl.org/dc/terms/"/>
-    <ds:schemaRef ds:uri="http://schemas.microsoft.com/office/2006/documentManagement/types"/>
-    <ds:schemaRef ds:uri="http://schemas.openxmlformats.org/package/2006/metadata/core-properties"/>
-    <ds:schemaRef ds:uri="http://schemas.microsoft.com/office/2006/metadata/properties"/>
-    <ds:schemaRef ds:uri="http://www.w3.org/XML/1998/namespace"/>
-  </ds:schemaRefs>
-</ds:datastoreItem>
+<file path=customXml/item2.xml><?xml version="1.0" encoding="utf-8"?>
+<?mso-contentType ?>
+<FormTemplates xmlns="http://schemas.microsoft.com/sharepoint/v3/contenttype/forms">
+  <Display>DocumentLibraryForm</Display>
+  <Edit>DocumentLibraryForm</Edit>
+  <New>DocumentLibraryForm</New>
+</FormTemplates>
 </file>
 
-<file path=customXml/itemProps2.xml><?xml version="1.0" encoding="utf-8"?>
-<ds:datastoreItem xmlns:ds="http://schemas.openxmlformats.org/officeDocument/2006/customXml" ds:itemID="{BCF9EC99-89FF-486C-9E02-31E13FD72E16}">
-  <ds:schemaRefs>
-    <ds:schemaRef ds:uri="http://schemas.microsoft.com/sharepoint/v3/contenttype/forms"/>
-  </ds:schemaRefs>
-</ds:datastoreItem>
+<file path=customXml/item3.xml><?xml version="1.0" encoding="utf-8"?>
+<p:properties xmlns:p="http://schemas.microsoft.com/office/2006/metadata/properties" xmlns:xsi="http://www.w3.org/2001/XMLSchema-instance" xmlns:pc="http://schemas.microsoft.com/office/infopath/2007/PartnerControls">
+  <documentManagement>
+    <MediaServiceKeyPoints xmlns="71af3243-3dd4-4a8d-8c0d-dd76da1f02a5" xsi:nil="true"/>
+  </documentManagement>
+</p:properties>
 </file>
 
-<file path=customXml/itemProps3.xml><?xml version="1.0" encoding="utf-8"?>
+<file path=customXml/itemProps1.xml><?xml version="1.0" encoding="utf-8"?>
 <ds:datastoreItem xmlns:ds="http://schemas.openxmlformats.org/officeDocument/2006/customXml" ds:itemID="{596CF9D2-F3E0-450F-B184-8D2A0EB8B18B}">
   <ds:schemaRefs>
     <ds:schemaRef ds:uri="http://schemas.microsoft.com/office/2006/metadata/contentType"/>
@@ -12588,4 +12332,29 @@
     <ds:schemaRef ds:uri="http://schemas.microsoft.com/internal/obd"/>
   </ds:schemaRefs>
 </ds:datastoreItem>
+</file>
+
+<file path=customXml/itemProps2.xml><?xml version="1.0" encoding="utf-8"?>
+<ds:datastoreItem xmlns:ds="http://schemas.openxmlformats.org/officeDocument/2006/customXml" ds:itemID="{BCF9EC99-89FF-486C-9E02-31E13FD72E16}">
+  <ds:schemaRefs>
+    <ds:schemaRef ds:uri="http://schemas.microsoft.com/sharepoint/v3/contenttype/forms"/>
+  </ds:schemaRefs>
+</ds:datastoreItem>
+</file>
+
+<file path=customXml/itemProps3.xml><?xml version="1.0" encoding="utf-8"?>
+<ds:datastoreItem xmlns:ds="http://schemas.openxmlformats.org/officeDocument/2006/customXml" ds:itemID="{0DAABB37-1599-4AE8-818C-82E84CA93DF4}">
+  <ds:schemaRefs>
+    <ds:schemaRef ds:uri="http://purl.org/dc/elements/1.1/"/>
+    <ds:schemaRef ds:uri="http://schemas.microsoft.com/office/infopath/2007/PartnerControls"/>
+    <ds:schemaRef ds:uri="http://purl.org/dc/dcmitype/"/>
+    <ds:schemaRef ds:uri="71af3243-3dd4-4a8d-8c0d-dd76da1f02a5"/>
+    <ds:schemaRef ds:uri="16c05727-aa75-4e4a-9b5f-8a80a1165891"/>
+    <ds:schemaRef ds:uri="http://purl.org/dc/terms/"/>
+    <ds:schemaRef ds:uri="http://schemas.microsoft.com/office/2006/documentManagement/types"/>
+    <ds:schemaRef ds:uri="http://schemas.openxmlformats.org/package/2006/metadata/core-properties"/>
+    <ds:schemaRef ds:uri="http://schemas.microsoft.com/office/2006/metadata/properties"/>
+    <ds:schemaRef ds:uri="http://www.w3.org/XML/1998/namespace"/>
+  </ds:schemaRefs>
+</ds:datastoreItem>
 </file>
--- a/Editables/Fase 3 - Construção.pptx
+++ b/Editables/Fase 3 - Construção.pptx
@@ -580,7 +580,7 @@
   <pc:docChgLst>
     <pc:chgData name="Tiago Fonseca" userId="0bf00240-3020-4d01-a24b-06825a2f49d7" providerId="ADAL" clId="{E6087568-9E66-4C67-8420-88369500C5DA}"/>
     <pc:docChg chg="undo custSel addSld delSld modSld">
-      <pc:chgData name="Tiago Fonseca" userId="0bf00240-3020-4d01-a24b-06825a2f49d7" providerId="ADAL" clId="{E6087568-9E66-4C67-8420-88369500C5DA}" dt="2023-05-17T15:55:11.849" v="752" actId="1076"/>
+      <pc:chgData name="Tiago Fonseca" userId="0bf00240-3020-4d01-a24b-06825a2f49d7" providerId="ADAL" clId="{E6087568-9E66-4C67-8420-88369500C5DA}" dt="2023-05-17T16:12:31.678" v="2136" actId="20577"/>
       <pc:docMkLst>
         <pc:docMk/>
       </pc:docMkLst>
@@ -723,7 +723,7 @@
         </pc:spChg>
       </pc:sldChg>
       <pc:sldChg chg="addSp delSp modSp mod">
-        <pc:chgData name="Tiago Fonseca" userId="0bf00240-3020-4d01-a24b-06825a2f49d7" providerId="ADAL" clId="{E6087568-9E66-4C67-8420-88369500C5DA}" dt="2023-05-17T15:51:53.444" v="643" actId="20577"/>
+        <pc:chgData name="Tiago Fonseca" userId="0bf00240-3020-4d01-a24b-06825a2f49d7" providerId="ADAL" clId="{E6087568-9E66-4C67-8420-88369500C5DA}" dt="2023-05-17T16:12:31.678" v="2136" actId="20577"/>
         <pc:sldMkLst>
           <pc:docMk/>
           <pc:sldMk cId="2855269777" sldId="282"/>
@@ -769,7 +769,7 @@
           </ac:spMkLst>
         </pc:spChg>
         <pc:spChg chg="add del mod">
-          <ac:chgData name="Tiago Fonseca" userId="0bf00240-3020-4d01-a24b-06825a2f49d7" providerId="ADAL" clId="{E6087568-9E66-4C67-8420-88369500C5DA}" dt="2023-05-17T15:51:53.444" v="643" actId="20577"/>
+          <ac:chgData name="Tiago Fonseca" userId="0bf00240-3020-4d01-a24b-06825a2f49d7" providerId="ADAL" clId="{E6087568-9E66-4C67-8420-88369500C5DA}" dt="2023-05-17T16:12:31.678" v="2136" actId="20577"/>
           <ac:spMkLst>
             <pc:docMk/>
             <pc:sldMk cId="2855269777" sldId="282"/>
@@ -871,8 +871,8 @@
           </ac:spMkLst>
         </pc:spChg>
       </pc:sldChg>
-      <pc:sldChg chg="modSp mod">
-        <pc:chgData name="Tiago Fonseca" userId="0bf00240-3020-4d01-a24b-06825a2f49d7" providerId="ADAL" clId="{E6087568-9E66-4C67-8420-88369500C5DA}" dt="2023-05-17T15:25:25.841" v="245" actId="20577"/>
+      <pc:sldChg chg="addSp delSp modSp mod">
+        <pc:chgData name="Tiago Fonseca" userId="0bf00240-3020-4d01-a24b-06825a2f49d7" providerId="ADAL" clId="{E6087568-9E66-4C67-8420-88369500C5DA}" dt="2023-05-17T16:10:12.966" v="1879" actId="20577"/>
         <pc:sldMkLst>
           <pc:docMk/>
           <pc:sldMk cId="4239780882" sldId="286"/>
@@ -883,6 +883,54 @@
             <pc:docMk/>
             <pc:sldMk cId="4239780882" sldId="286"/>
             <ac:spMk id="2" creationId="{931451AD-4895-B705-D9DD-AE4EECD87102}"/>
+          </ac:spMkLst>
+        </pc:spChg>
+        <pc:spChg chg="del">
+          <ac:chgData name="Tiago Fonseca" userId="0bf00240-3020-4d01-a24b-06825a2f49d7" providerId="ADAL" clId="{E6087568-9E66-4C67-8420-88369500C5DA}" dt="2023-05-17T15:59:29.883" v="754" actId="478"/>
+          <ac:spMkLst>
+            <pc:docMk/>
+            <pc:sldMk cId="4239780882" sldId="286"/>
+            <ac:spMk id="3" creationId="{19D03FC5-AAFD-D05F-F5BB-2BCF0AE0B45C}"/>
+          </ac:spMkLst>
+        </pc:spChg>
+        <pc:spChg chg="del mod">
+          <ac:chgData name="Tiago Fonseca" userId="0bf00240-3020-4d01-a24b-06825a2f49d7" providerId="ADAL" clId="{E6087568-9E66-4C67-8420-88369500C5DA}" dt="2023-05-17T15:59:38.525" v="759" actId="478"/>
+          <ac:spMkLst>
+            <pc:docMk/>
+            <pc:sldMk cId="4239780882" sldId="286"/>
+            <ac:spMk id="4" creationId="{FC9CD485-94B2-9F44-4CB4-8E3B684ED391}"/>
+          </ac:spMkLst>
+        </pc:spChg>
+        <pc:spChg chg="del">
+          <ac:chgData name="Tiago Fonseca" userId="0bf00240-3020-4d01-a24b-06825a2f49d7" providerId="ADAL" clId="{E6087568-9E66-4C67-8420-88369500C5DA}" dt="2023-05-17T15:59:32.855" v="756" actId="478"/>
+          <ac:spMkLst>
+            <pc:docMk/>
+            <pc:sldMk cId="4239780882" sldId="286"/>
+            <ac:spMk id="6" creationId="{0D056FC2-8908-436E-600E-9B35305D97D9}"/>
+          </ac:spMkLst>
+        </pc:spChg>
+        <pc:spChg chg="add mod">
+          <ac:chgData name="Tiago Fonseca" userId="0bf00240-3020-4d01-a24b-06825a2f49d7" providerId="ADAL" clId="{E6087568-9E66-4C67-8420-88369500C5DA}" dt="2023-05-17T16:10:12.966" v="1879" actId="20577"/>
+          <ac:spMkLst>
+            <pc:docMk/>
+            <pc:sldMk cId="4239780882" sldId="286"/>
+            <ac:spMk id="7" creationId="{3781BB72-06CF-6EC3-7E08-64DE68C0CE29}"/>
+          </ac:spMkLst>
+        </pc:spChg>
+        <pc:spChg chg="add del mod">
+          <ac:chgData name="Tiago Fonseca" userId="0bf00240-3020-4d01-a24b-06825a2f49d7" providerId="ADAL" clId="{E6087568-9E66-4C67-8420-88369500C5DA}" dt="2023-05-17T15:59:31.586" v="755" actId="478"/>
+          <ac:spMkLst>
+            <pc:docMk/>
+            <pc:sldMk cId="4239780882" sldId="286"/>
+            <ac:spMk id="9" creationId="{0363952A-4923-627C-B1E0-D15A470E30BC}"/>
+          </ac:spMkLst>
+        </pc:spChg>
+        <pc:spChg chg="del">
+          <ac:chgData name="Tiago Fonseca" userId="0bf00240-3020-4d01-a24b-06825a2f49d7" providerId="ADAL" clId="{E6087568-9E66-4C67-8420-88369500C5DA}" dt="2023-05-17T15:59:28.146" v="753" actId="478"/>
+          <ac:spMkLst>
+            <pc:docMk/>
+            <pc:sldMk cId="4239780882" sldId="286"/>
+            <ac:spMk id="10" creationId="{99A10B4A-0393-C129-933B-C652D1A19476}"/>
           </ac:spMkLst>
         </pc:spChg>
       </pc:sldChg>
@@ -6516,10 +6564,10 @@
       </p:sp>
       <p:sp>
         <p:nvSpPr>
-          <p:cNvPr id="3" name="Marcador de Posição do Texto 2">
+          <p:cNvPr id="7" name="Marcador de Posição de Conteúdo 6">
             <a:extLst>
               <a:ext uri="{FF2B5EF4-FFF2-40B4-BE49-F238E27FC236}">
-                <a16:creationId xmlns:a16="http://schemas.microsoft.com/office/drawing/2014/main" id="{19D03FC5-AAFD-D05F-F5BB-2BCF0AE0B45C}"/>
+                <a16:creationId xmlns:a16="http://schemas.microsoft.com/office/drawing/2014/main" id="{3781BB72-06CF-6EC3-7E08-64DE68C0CE29}"/>
               </a:ext>
             </a:extLst>
           </p:cNvPr>
@@ -6527,576 +6575,99 @@
             <a:spLocks noGrp="1"/>
           </p:cNvSpPr>
           <p:nvPr>
-            <p:ph type="body" idx="1"/>
+            <p:ph sz="half" idx="2"/>
           </p:nvPr>
         </p:nvSpPr>
         <p:spPr>
           <a:xfrm>
-            <a:off x="1447191" y="1941404"/>
-            <a:ext cx="4645152" cy="597689"/>
-          </a:xfrm>
-        </p:spPr>
-        <p:txBody>
-          <a:bodyPr/>
-          <a:lstStyle/>
-          <a:p>
-            <a:r>
-              <a:rPr lang="pt-PT" dirty="0"/>
-              <a:t> consultar o especialista</a:t>
-            </a:r>
-          </a:p>
-        </p:txBody>
-      </p:sp>
-      <p:sp>
-        <p:nvSpPr>
-          <p:cNvPr id="10" name="Marcador de Posição de Conteúdo 9">
-            <a:extLst>
-              <a:ext uri="{FF2B5EF4-FFF2-40B4-BE49-F238E27FC236}">
-                <a16:creationId xmlns:a16="http://schemas.microsoft.com/office/drawing/2014/main" id="{99A10B4A-0393-C129-933B-C652D1A19476}"/>
-              </a:ext>
-            </a:extLst>
-          </p:cNvPr>
-          <p:cNvSpPr>
-            <a:spLocks noGrp="1"/>
-          </p:cNvSpPr>
-          <p:nvPr>
-            <p:ph sz="half" idx="2"/>
-          </p:nvPr>
-        </p:nvSpPr>
-        <p:spPr>
-          <a:xfrm>
-            <a:off x="1447191" y="2472485"/>
-            <a:ext cx="9607660" cy="794417"/>
+            <a:off x="1447191" y="2244606"/>
+            <a:ext cx="9697059" cy="2645802"/>
           </a:xfrm>
         </p:spPr>
         <p:txBody>
           <a:bodyPr>
-            <a:normAutofit/>
+            <a:normAutofit fontScale="85000" lnSpcReduction="20000"/>
           </a:bodyPr>
           <a:lstStyle/>
           <a:p>
-            <a:pPr marL="0" indent="0" algn="just">
-              <a:buNone/>
-            </a:pPr>
-            <a:r>
-              <a:rPr lang="pt-PT" sz="1400" dirty="0"/>
-              <a:t>A Maria procura melhorar a sua estabilidade financeira e encontrar um bom crédito à habitação. Por coincidência, um amigo falou-lhe da “ECO” e, assim, a Maria decidiu aderir.</a:t>
-            </a:r>
-          </a:p>
-        </p:txBody>
-      </p:sp>
-      <p:sp>
-        <p:nvSpPr>
-          <p:cNvPr id="4" name="Marcador de Posição de Conteúdo 9">
-            <a:extLst>
-              <a:ext uri="{FF2B5EF4-FFF2-40B4-BE49-F238E27FC236}">
-                <a16:creationId xmlns:a16="http://schemas.microsoft.com/office/drawing/2014/main" id="{FC9CD485-94B2-9F44-4CB4-8E3B684ED391}"/>
-              </a:ext>
-            </a:extLst>
-          </p:cNvPr>
-          <p:cNvSpPr txBox="1">
-            <a:spLocks/>
-          </p:cNvSpPr>
-          <p:nvPr/>
-        </p:nvSpPr>
-        <p:spPr>
-          <a:xfrm>
-            <a:off x="1526530" y="3300730"/>
-            <a:ext cx="4645152" cy="2753108"/>
-          </a:xfrm>
-          <a:prstGeom prst="rect">
-            <a:avLst/>
-          </a:prstGeom>
-        </p:spPr>
-        <p:txBody>
-          <a:bodyPr vert="horz" lIns="91440" tIns="45720" rIns="91440" bIns="45720" rtlCol="0">
-            <a:normAutofit/>
-          </a:bodyPr>
-          <a:lstStyle>
-            <a:lvl1pPr marL="228600" indent="-228600" algn="l" defTabSz="914400" rtl="0" eaLnBrk="1" latinLnBrk="0" hangingPunct="1">
-              <a:lnSpc>
-                <a:spcPct val="120000"/>
-              </a:lnSpc>
-              <a:spcBef>
-                <a:spcPts val="1000"/>
-              </a:spcBef>
-              <a:buClr>
-                <a:schemeClr val="accent1"/>
-              </a:buClr>
-              <a:buSzPct val="100000"/>
-              <a:buFont typeface="Arial" panose="020B0604020202020204" pitchFamily="34" charset="0"/>
-              <a:buChar char="•"/>
-              <a:defRPr sz="2000" kern="1200">
-                <a:solidFill>
-                  <a:schemeClr val="tx1"/>
-                </a:solidFill>
-                <a:effectLst/>
-                <a:latin typeface="+mn-lt"/>
-                <a:ea typeface="+mn-ea"/>
-                <a:cs typeface="+mn-cs"/>
-              </a:defRPr>
-            </a:lvl1pPr>
-            <a:lvl2pPr marL="685800" indent="-228600" algn="l" defTabSz="914400" rtl="0" eaLnBrk="1" latinLnBrk="0" hangingPunct="1">
-              <a:lnSpc>
-                <a:spcPct val="120000"/>
-              </a:lnSpc>
-              <a:spcBef>
-                <a:spcPts val="500"/>
-              </a:spcBef>
-              <a:buClr>
-                <a:schemeClr val="accent1"/>
-              </a:buClr>
-              <a:buSzPct val="100000"/>
-              <a:buFont typeface="Arial" panose="020B0604020202020204" pitchFamily="34" charset="0"/>
-              <a:buChar char="•"/>
-              <a:defRPr sz="1800" kern="1200" cap="none" baseline="0">
-                <a:solidFill>
-                  <a:schemeClr val="tx1"/>
-                </a:solidFill>
-                <a:effectLst/>
-                <a:latin typeface="+mn-lt"/>
-                <a:ea typeface="+mn-ea"/>
-                <a:cs typeface="+mn-cs"/>
-              </a:defRPr>
-            </a:lvl2pPr>
-            <a:lvl3pPr marL="1143000" indent="-228600" algn="l" defTabSz="914400" rtl="0" eaLnBrk="1" latinLnBrk="0" hangingPunct="1">
-              <a:lnSpc>
-                <a:spcPct val="120000"/>
-              </a:lnSpc>
-              <a:spcBef>
-                <a:spcPts val="500"/>
-              </a:spcBef>
-              <a:buClr>
-                <a:schemeClr val="accent1"/>
-              </a:buClr>
-              <a:buSzPct val="100000"/>
-              <a:buFont typeface="Arial" panose="020B0604020202020204" pitchFamily="34" charset="0"/>
-              <a:buChar char="•"/>
-              <a:defRPr sz="1600" kern="1200">
-                <a:solidFill>
-                  <a:schemeClr val="tx1"/>
-                </a:solidFill>
-                <a:effectLst/>
-                <a:latin typeface="+mn-lt"/>
-                <a:ea typeface="+mn-ea"/>
-                <a:cs typeface="+mn-cs"/>
-              </a:defRPr>
-            </a:lvl3pPr>
-            <a:lvl4pPr marL="1600200" indent="-228600" algn="l" defTabSz="914400" rtl="0" eaLnBrk="1" latinLnBrk="0" hangingPunct="1">
-              <a:lnSpc>
-                <a:spcPct val="120000"/>
-              </a:lnSpc>
-              <a:spcBef>
-                <a:spcPts val="500"/>
-              </a:spcBef>
-              <a:buClr>
-                <a:schemeClr val="accent1"/>
-              </a:buClr>
-              <a:buSzPct val="100000"/>
-              <a:buFont typeface="Arial" panose="020B0604020202020204" pitchFamily="34" charset="0"/>
-              <a:buChar char="•"/>
-              <a:defRPr sz="1400" kern="1200" cap="none" baseline="0">
-                <a:solidFill>
-                  <a:schemeClr val="tx1"/>
-                </a:solidFill>
-                <a:effectLst/>
-                <a:latin typeface="+mn-lt"/>
-                <a:ea typeface="+mn-ea"/>
-                <a:cs typeface="+mn-cs"/>
-              </a:defRPr>
-            </a:lvl4pPr>
-            <a:lvl5pPr marL="2057400" indent="-228600" algn="l" defTabSz="914400" rtl="0" eaLnBrk="1" latinLnBrk="0" hangingPunct="1">
-              <a:lnSpc>
-                <a:spcPct val="120000"/>
-              </a:lnSpc>
-              <a:spcBef>
-                <a:spcPts val="500"/>
-              </a:spcBef>
-              <a:buClr>
-                <a:schemeClr val="accent1"/>
-              </a:buClr>
-              <a:buSzPct val="100000"/>
-              <a:buFont typeface="Arial" panose="020B0604020202020204" pitchFamily="34" charset="0"/>
-              <a:buChar char="•"/>
-              <a:defRPr sz="1200" kern="1200">
-                <a:solidFill>
-                  <a:schemeClr val="tx1"/>
-                </a:solidFill>
-                <a:effectLst/>
-                <a:latin typeface="+mn-lt"/>
-                <a:ea typeface="+mn-ea"/>
-                <a:cs typeface="+mn-cs"/>
-              </a:defRPr>
-            </a:lvl5pPr>
-            <a:lvl6pPr marL="2514600" indent="-228600" algn="l" defTabSz="914400" rtl="0" eaLnBrk="1" latinLnBrk="0" hangingPunct="1">
-              <a:lnSpc>
-                <a:spcPct val="120000"/>
-              </a:lnSpc>
-              <a:spcBef>
-                <a:spcPts val="500"/>
-              </a:spcBef>
-              <a:buClr>
-                <a:schemeClr val="accent1"/>
-              </a:buClr>
-              <a:buSzPct val="100000"/>
-              <a:buFont typeface="Arial" panose="020B0604020202020204" pitchFamily="34" charset="0"/>
-              <a:buChar char="•"/>
-              <a:defRPr sz="1200" kern="1200">
-                <a:solidFill>
-                  <a:schemeClr val="tx1"/>
-                </a:solidFill>
-                <a:effectLst/>
-                <a:latin typeface="+mn-lt"/>
-                <a:ea typeface="+mn-ea"/>
-                <a:cs typeface="+mn-cs"/>
-              </a:defRPr>
-            </a:lvl6pPr>
-            <a:lvl7pPr marL="2971800" indent="-228600" algn="l" defTabSz="914400" rtl="0" eaLnBrk="1" latinLnBrk="0" hangingPunct="1">
-              <a:lnSpc>
-                <a:spcPct val="120000"/>
-              </a:lnSpc>
-              <a:spcBef>
-                <a:spcPts val="500"/>
-              </a:spcBef>
-              <a:buClr>
-                <a:schemeClr val="accent1"/>
-              </a:buClr>
-              <a:buSzPct val="100000"/>
-              <a:buFont typeface="Arial" panose="020B0604020202020204" pitchFamily="34" charset="0"/>
-              <a:buChar char="•"/>
-              <a:defRPr sz="1200" kern="1200">
-                <a:solidFill>
-                  <a:schemeClr val="tx1"/>
-                </a:solidFill>
-                <a:effectLst/>
-                <a:latin typeface="+mn-lt"/>
-                <a:ea typeface="+mn-ea"/>
-                <a:cs typeface="+mn-cs"/>
-              </a:defRPr>
-            </a:lvl7pPr>
-            <a:lvl8pPr marL="3429000" indent="-228600" algn="l" defTabSz="914400" rtl="0" eaLnBrk="1" latinLnBrk="0" hangingPunct="1">
-              <a:lnSpc>
-                <a:spcPct val="120000"/>
-              </a:lnSpc>
-              <a:spcBef>
-                <a:spcPts val="500"/>
-              </a:spcBef>
-              <a:buClr>
-                <a:schemeClr val="accent1"/>
-              </a:buClr>
-              <a:buSzPct val="100000"/>
-              <a:buFont typeface="Arial" panose="020B0604020202020204" pitchFamily="34" charset="0"/>
-              <a:buChar char="•"/>
-              <a:defRPr sz="1200" kern="1200" baseline="0">
-                <a:solidFill>
-                  <a:schemeClr val="tx1"/>
-                </a:solidFill>
-                <a:effectLst/>
-                <a:latin typeface="+mn-lt"/>
-                <a:ea typeface="+mn-ea"/>
-                <a:cs typeface="+mn-cs"/>
-              </a:defRPr>
-            </a:lvl8pPr>
-            <a:lvl9pPr marL="3886200" indent="-228600" algn="l" defTabSz="914400" rtl="0" eaLnBrk="1" latinLnBrk="0" hangingPunct="1">
-              <a:lnSpc>
-                <a:spcPct val="120000"/>
-              </a:lnSpc>
-              <a:spcBef>
-                <a:spcPts val="500"/>
-              </a:spcBef>
-              <a:buClr>
-                <a:schemeClr val="accent1"/>
-              </a:buClr>
-              <a:buSzPct val="100000"/>
-              <a:buFont typeface="Arial" panose="020B0604020202020204" pitchFamily="34" charset="0"/>
-              <a:buChar char="•"/>
-              <a:defRPr sz="1200" kern="1200" baseline="0">
-                <a:solidFill>
-                  <a:schemeClr val="tx1"/>
-                </a:solidFill>
-                <a:effectLst/>
-                <a:latin typeface="+mn-lt"/>
-                <a:ea typeface="+mn-ea"/>
-                <a:cs typeface="+mn-cs"/>
-              </a:defRPr>
-            </a:lvl9pPr>
-          </a:lstStyle>
-          <a:p>
-            <a:pPr algn="just"/>
-            <a:r>
-              <a:rPr lang="pt-PT" sz="1400" dirty="0"/>
-              <a:t>Maria adere à Plataforma;</a:t>
-            </a:r>
-          </a:p>
-          <a:p>
-            <a:pPr algn="just"/>
-            <a:r>
-              <a:rPr lang="pt-PT" sz="1400" dirty="0"/>
-              <a:t>Regista no seu Portfolio os valores da sua carteira inicial, através das operações financeiras;</a:t>
-            </a:r>
-          </a:p>
-          <a:p>
-            <a:pPr algn="just"/>
-            <a:r>
-              <a:rPr lang="pt-PT" sz="1400" dirty="0"/>
-              <a:t>A Maria usa a Plataforma a título experimental (pessoal) durante alguns meses, e repara que consegue manter-se a par das suas finanças com mais facilidade (através da facilidade na análise do extrato);</a:t>
-            </a:r>
-          </a:p>
-          <a:p>
-            <a:endParaRPr lang="pt-PT" dirty="0"/>
-          </a:p>
-        </p:txBody>
-      </p:sp>
-      <p:sp>
-        <p:nvSpPr>
-          <p:cNvPr id="6" name="Marcador de Posição de Conteúdo 9">
-            <a:extLst>
-              <a:ext uri="{FF2B5EF4-FFF2-40B4-BE49-F238E27FC236}">
-                <a16:creationId xmlns:a16="http://schemas.microsoft.com/office/drawing/2014/main" id="{0D056FC2-8908-436E-600E-9B35305D97D9}"/>
-              </a:ext>
-            </a:extLst>
-          </p:cNvPr>
-          <p:cNvSpPr txBox="1">
-            <a:spLocks/>
-          </p:cNvSpPr>
-          <p:nvPr/>
-        </p:nvSpPr>
-        <p:spPr>
-          <a:xfrm>
-            <a:off x="6251021" y="3300730"/>
-            <a:ext cx="4645151" cy="2415192"/>
-          </a:xfrm>
-          <a:prstGeom prst="rect">
-            <a:avLst/>
-          </a:prstGeom>
-        </p:spPr>
-        <p:txBody>
-          <a:bodyPr vert="horz" lIns="91440" tIns="45720" rIns="91440" bIns="45720" rtlCol="0">
-            <a:normAutofit/>
-          </a:bodyPr>
-          <a:lstStyle>
-            <a:lvl1pPr marL="228600" indent="-228600" algn="l" defTabSz="914400" rtl="0" eaLnBrk="1" latinLnBrk="0" hangingPunct="1">
-              <a:lnSpc>
-                <a:spcPct val="120000"/>
-              </a:lnSpc>
-              <a:spcBef>
-                <a:spcPts val="1000"/>
-              </a:spcBef>
-              <a:buClr>
-                <a:schemeClr val="accent1"/>
-              </a:buClr>
-              <a:buSzPct val="100000"/>
-              <a:buFont typeface="Arial" panose="020B0604020202020204" pitchFamily="34" charset="0"/>
-              <a:buChar char="•"/>
-              <a:defRPr sz="2000" kern="1200">
-                <a:solidFill>
-                  <a:schemeClr val="tx1"/>
-                </a:solidFill>
-                <a:effectLst/>
-                <a:latin typeface="+mn-lt"/>
-                <a:ea typeface="+mn-ea"/>
-                <a:cs typeface="+mn-cs"/>
-              </a:defRPr>
-            </a:lvl1pPr>
-            <a:lvl2pPr marL="685800" indent="-228600" algn="l" defTabSz="914400" rtl="0" eaLnBrk="1" latinLnBrk="0" hangingPunct="1">
-              <a:lnSpc>
-                <a:spcPct val="120000"/>
-              </a:lnSpc>
-              <a:spcBef>
-                <a:spcPts val="500"/>
-              </a:spcBef>
-              <a:buClr>
-                <a:schemeClr val="accent1"/>
-              </a:buClr>
-              <a:buSzPct val="100000"/>
-              <a:buFont typeface="Arial" panose="020B0604020202020204" pitchFamily="34" charset="0"/>
-              <a:buChar char="•"/>
-              <a:defRPr sz="1800" kern="1200" cap="none" baseline="0">
-                <a:solidFill>
-                  <a:schemeClr val="tx1"/>
-                </a:solidFill>
-                <a:effectLst/>
-                <a:latin typeface="+mn-lt"/>
-                <a:ea typeface="+mn-ea"/>
-                <a:cs typeface="+mn-cs"/>
-              </a:defRPr>
-            </a:lvl2pPr>
-            <a:lvl3pPr marL="1143000" indent="-228600" algn="l" defTabSz="914400" rtl="0" eaLnBrk="1" latinLnBrk="0" hangingPunct="1">
-              <a:lnSpc>
-                <a:spcPct val="120000"/>
-              </a:lnSpc>
-              <a:spcBef>
-                <a:spcPts val="500"/>
-              </a:spcBef>
-              <a:buClr>
-                <a:schemeClr val="accent1"/>
-              </a:buClr>
-              <a:buSzPct val="100000"/>
-              <a:buFont typeface="Arial" panose="020B0604020202020204" pitchFamily="34" charset="0"/>
-              <a:buChar char="•"/>
-              <a:defRPr sz="1600" kern="1200">
-                <a:solidFill>
-                  <a:schemeClr val="tx1"/>
-                </a:solidFill>
-                <a:effectLst/>
-                <a:latin typeface="+mn-lt"/>
-                <a:ea typeface="+mn-ea"/>
-                <a:cs typeface="+mn-cs"/>
-              </a:defRPr>
-            </a:lvl3pPr>
-            <a:lvl4pPr marL="1600200" indent="-228600" algn="l" defTabSz="914400" rtl="0" eaLnBrk="1" latinLnBrk="0" hangingPunct="1">
-              <a:lnSpc>
-                <a:spcPct val="120000"/>
-              </a:lnSpc>
-              <a:spcBef>
-                <a:spcPts val="500"/>
-              </a:spcBef>
-              <a:buClr>
-                <a:schemeClr val="accent1"/>
-              </a:buClr>
-              <a:buSzPct val="100000"/>
-              <a:buFont typeface="Arial" panose="020B0604020202020204" pitchFamily="34" charset="0"/>
-              <a:buChar char="•"/>
-              <a:defRPr sz="1400" kern="1200" cap="none" baseline="0">
-                <a:solidFill>
-                  <a:schemeClr val="tx1"/>
-                </a:solidFill>
-                <a:effectLst/>
-                <a:latin typeface="+mn-lt"/>
-                <a:ea typeface="+mn-ea"/>
-                <a:cs typeface="+mn-cs"/>
-              </a:defRPr>
-            </a:lvl4pPr>
-            <a:lvl5pPr marL="2057400" indent="-228600" algn="l" defTabSz="914400" rtl="0" eaLnBrk="1" latinLnBrk="0" hangingPunct="1">
-              <a:lnSpc>
-                <a:spcPct val="120000"/>
-              </a:lnSpc>
-              <a:spcBef>
-                <a:spcPts val="500"/>
-              </a:spcBef>
-              <a:buClr>
-                <a:schemeClr val="accent1"/>
-              </a:buClr>
-              <a:buSzPct val="100000"/>
-              <a:buFont typeface="Arial" panose="020B0604020202020204" pitchFamily="34" charset="0"/>
-              <a:buChar char="•"/>
-              <a:defRPr sz="1200" kern="1200">
-                <a:solidFill>
-                  <a:schemeClr val="tx1"/>
-                </a:solidFill>
-                <a:effectLst/>
-                <a:latin typeface="+mn-lt"/>
-                <a:ea typeface="+mn-ea"/>
-                <a:cs typeface="+mn-cs"/>
-              </a:defRPr>
-            </a:lvl5pPr>
-            <a:lvl6pPr marL="2514600" indent="-228600" algn="l" defTabSz="914400" rtl="0" eaLnBrk="1" latinLnBrk="0" hangingPunct="1">
-              <a:lnSpc>
-                <a:spcPct val="120000"/>
-              </a:lnSpc>
-              <a:spcBef>
-                <a:spcPts val="500"/>
-              </a:spcBef>
-              <a:buClr>
-                <a:schemeClr val="accent1"/>
-              </a:buClr>
-              <a:buSzPct val="100000"/>
-              <a:buFont typeface="Arial" panose="020B0604020202020204" pitchFamily="34" charset="0"/>
-              <a:buChar char="•"/>
-              <a:defRPr sz="1200" kern="1200">
-                <a:solidFill>
-                  <a:schemeClr val="tx1"/>
-                </a:solidFill>
-                <a:effectLst/>
-                <a:latin typeface="+mn-lt"/>
-                <a:ea typeface="+mn-ea"/>
-                <a:cs typeface="+mn-cs"/>
-              </a:defRPr>
-            </a:lvl6pPr>
-            <a:lvl7pPr marL="2971800" indent="-228600" algn="l" defTabSz="914400" rtl="0" eaLnBrk="1" latinLnBrk="0" hangingPunct="1">
-              <a:lnSpc>
-                <a:spcPct val="120000"/>
-              </a:lnSpc>
-              <a:spcBef>
-                <a:spcPts val="500"/>
-              </a:spcBef>
-              <a:buClr>
-                <a:schemeClr val="accent1"/>
-              </a:buClr>
-              <a:buSzPct val="100000"/>
-              <a:buFont typeface="Arial" panose="020B0604020202020204" pitchFamily="34" charset="0"/>
-              <a:buChar char="•"/>
-              <a:defRPr sz="1200" kern="1200">
-                <a:solidFill>
-                  <a:schemeClr val="tx1"/>
-                </a:solidFill>
-                <a:effectLst/>
-                <a:latin typeface="+mn-lt"/>
-                <a:ea typeface="+mn-ea"/>
-                <a:cs typeface="+mn-cs"/>
-              </a:defRPr>
-            </a:lvl7pPr>
-            <a:lvl8pPr marL="3429000" indent="-228600" algn="l" defTabSz="914400" rtl="0" eaLnBrk="1" latinLnBrk="0" hangingPunct="1">
-              <a:lnSpc>
-                <a:spcPct val="120000"/>
-              </a:lnSpc>
-              <a:spcBef>
-                <a:spcPts val="500"/>
-              </a:spcBef>
-              <a:buClr>
-                <a:schemeClr val="accent1"/>
-              </a:buClr>
-              <a:buSzPct val="100000"/>
-              <a:buFont typeface="Arial" panose="020B0604020202020204" pitchFamily="34" charset="0"/>
-              <a:buChar char="•"/>
-              <a:defRPr sz="1200" kern="1200" baseline="0">
-                <a:solidFill>
-                  <a:schemeClr val="tx1"/>
-                </a:solidFill>
-                <a:effectLst/>
-                <a:latin typeface="+mn-lt"/>
-                <a:ea typeface="+mn-ea"/>
-                <a:cs typeface="+mn-cs"/>
-              </a:defRPr>
-            </a:lvl8pPr>
-            <a:lvl9pPr marL="3886200" indent="-228600" algn="l" defTabSz="914400" rtl="0" eaLnBrk="1" latinLnBrk="0" hangingPunct="1">
-              <a:lnSpc>
-                <a:spcPct val="120000"/>
-              </a:lnSpc>
-              <a:spcBef>
-                <a:spcPts val="500"/>
-              </a:spcBef>
-              <a:buClr>
-                <a:schemeClr val="accent1"/>
-              </a:buClr>
-              <a:buSzPct val="100000"/>
-              <a:buFont typeface="Arial" panose="020B0604020202020204" pitchFamily="34" charset="0"/>
-              <a:buChar char="•"/>
-              <a:defRPr sz="1200" kern="1200" baseline="0">
-                <a:solidFill>
-                  <a:schemeClr val="tx1"/>
-                </a:solidFill>
-                <a:effectLst/>
-                <a:latin typeface="+mn-lt"/>
-                <a:ea typeface="+mn-ea"/>
-                <a:cs typeface="+mn-cs"/>
-              </a:defRPr>
-            </a:lvl9pPr>
-          </a:lstStyle>
-          <a:p>
-            <a:r>
-              <a:rPr lang="pt-PT" sz="1400" dirty="0"/>
-              <a:t>A cliente recorre à consulta de um especialista para informar-se sobre o crédito à habitação, e para isso uso o serviço de “chat” da plataforma.</a:t>
-            </a:r>
-          </a:p>
-          <a:p>
-            <a:r>
-              <a:rPr lang="pt-PT" sz="1400" dirty="0"/>
-              <a:t>Na reunião semestral, a Maria recorre ao crédito à habitação, e é presencialmente assistida nesse processo.</a:t>
-            </a:r>
-          </a:p>
-          <a:p>
-            <a:endParaRPr lang="pt-PT" dirty="0"/>
+            <a:r>
+              <a:rPr lang="pt-PT" dirty="0"/>
+              <a:t>Uso de </a:t>
+            </a:r>
+            <a:r>
+              <a:rPr lang="pt-PT" dirty="0" err="1"/>
+              <a:t>Python</a:t>
+            </a:r>
+            <a:r>
+              <a:rPr lang="pt-PT" dirty="0"/>
+              <a:t>, para a construção do “</a:t>
+            </a:r>
+            <a:r>
+              <a:rPr lang="pt-PT" dirty="0" err="1"/>
+              <a:t>backend</a:t>
+            </a:r>
+            <a:r>
+              <a:rPr lang="pt-PT" dirty="0"/>
+              <a:t>”, devido à sua simplicidade, legibilidade e vasta biblioteca de “</a:t>
+            </a:r>
+            <a:r>
+              <a:rPr lang="pt-PT" dirty="0" err="1"/>
+              <a:t>frameworks</a:t>
+            </a:r>
+            <a:r>
+              <a:rPr lang="pt-PT" dirty="0"/>
+              <a:t>” que facilitam o desenvolvimento WEB</a:t>
+            </a:r>
+          </a:p>
+          <a:p>
+            <a:r>
+              <a:rPr lang="pt-PT" dirty="0"/>
+              <a:t>Uso de </a:t>
+            </a:r>
+            <a:r>
+              <a:rPr lang="pt-PT" dirty="0" err="1"/>
+              <a:t>Flask</a:t>
+            </a:r>
+            <a:r>
+              <a:rPr lang="pt-PT" dirty="0"/>
+              <a:t>, como “</a:t>
+            </a:r>
+            <a:r>
+              <a:rPr lang="pt-PT" dirty="0" err="1"/>
+              <a:t>framework</a:t>
+            </a:r>
+            <a:r>
+              <a:rPr lang="pt-PT" dirty="0"/>
+              <a:t>” designada, devido à sua facilidade de uso, permitindo o desenvolvimento rápido e flexível</a:t>
+            </a:r>
+          </a:p>
+          <a:p>
+            <a:r>
+              <a:rPr lang="pt-PT" dirty="0"/>
+              <a:t>Uso de HTML, CSS e JAVA, para a construção do “</a:t>
+            </a:r>
+            <a:r>
+              <a:rPr lang="pt-PT" dirty="0" err="1"/>
+              <a:t>frontend</a:t>
+            </a:r>
+            <a:r>
+              <a:rPr lang="pt-PT" dirty="0"/>
+              <a:t>”, devido à sua versatilidade e rápida reutilização</a:t>
+            </a:r>
+          </a:p>
+          <a:p>
+            <a:r>
+              <a:rPr lang="pt-PT" dirty="0"/>
+              <a:t>Para a coordenação do desenvolvimento do software, foi utilizado o </a:t>
+            </a:r>
+            <a:r>
+              <a:rPr lang="pt-PT" dirty="0" err="1"/>
+              <a:t>Github</a:t>
+            </a:r>
+            <a:r>
+              <a:rPr lang="pt-PT" dirty="0"/>
+              <a:t>, de forma a manter um alto controlo de versões.</a:t>
+            </a:r>
           </a:p>
         </p:txBody>
       </p:sp>
@@ -10182,7 +9753,7 @@
         <p:spPr>
           <a:xfrm>
             <a:off x="1379764" y="3780064"/>
-            <a:ext cx="9675090" cy="923330"/>
+            <a:ext cx="9675090" cy="1477328"/>
           </a:xfrm>
           <a:prstGeom prst="rect">
             <a:avLst/>
@@ -10203,7 +9774,18 @@
               <a:rPr lang="pt-PT" dirty="0" err="1"/>
               <a:t>Python</a:t>
             </a:r>
-            <a:endParaRPr lang="pt-PT" dirty="0"/>
+            <a:r>
+              <a:rPr lang="pt-PT" dirty="0"/>
+              <a:t> para linguagem principal do “</a:t>
+            </a:r>
+            <a:r>
+              <a:rPr lang="pt-PT" dirty="0" err="1"/>
+              <a:t>backend</a:t>
+            </a:r>
+            <a:r>
+              <a:rPr lang="pt-PT" dirty="0"/>
+              <a:t>”</a:t>
+            </a:r>
           </a:p>
           <a:p>
             <a:pPr marL="285750" indent="-285750">
@@ -10214,7 +9796,18 @@
               <a:rPr lang="pt-PT" dirty="0" err="1"/>
               <a:t>Flask</a:t>
             </a:r>
-            <a:endParaRPr lang="pt-PT" dirty="0"/>
+            <a:r>
+              <a:rPr lang="pt-PT" dirty="0"/>
+              <a:t> como “</a:t>
+            </a:r>
+            <a:r>
+              <a:rPr lang="pt-PT" dirty="0" err="1"/>
+              <a:t>framework</a:t>
+            </a:r>
+            <a:r>
+              <a:rPr lang="pt-PT" dirty="0"/>
+              <a:t>” designada</a:t>
+            </a:r>
           </a:p>
           <a:p>
             <a:pPr marL="285750" indent="-285750">
@@ -10223,8 +9816,31 @@
             </a:pPr>
             <a:r>
               <a:rPr lang="pt-PT" dirty="0"/>
-              <a:t>HTML, CSS, JS</a:t>
-            </a:r>
+              <a:t>HTML, CSS e JS como linguagem principal de “</a:t>
+            </a:r>
+            <a:r>
+              <a:rPr lang="pt-PT" dirty="0" err="1"/>
+              <a:t>frontend</a:t>
+            </a:r>
+            <a:r>
+              <a:rPr lang="pt-PT" dirty="0"/>
+              <a:t>”</a:t>
+            </a:r>
+          </a:p>
+          <a:p>
+            <a:pPr marL="285750" indent="-285750">
+              <a:buFont typeface="Arial" panose="020B0604020202020204" pitchFamily="34" charset="0"/>
+              <a:buChar char="•"/>
+            </a:pPr>
+            <a:r>
+              <a:rPr lang="pt-PT" dirty="0"/>
+              <a:t>CSV e JSON como formatos de dados, de forma a manter uma base de dados consistente </a:t>
+            </a:r>
+            <a:r>
+              <a:rPr lang="pt-PT"/>
+              <a:t>e adequada</a:t>
+            </a:r>
+            <a:endParaRPr lang="pt-PT" dirty="0"/>
           </a:p>
         </p:txBody>
       </p:sp>
@@ -12088,6 +11704,15 @@
 </file>
 
 <file path=customXml/item1.xml><?xml version="1.0" encoding="utf-8"?>
+<?mso-contentType ?>
+<FormTemplates xmlns="http://schemas.microsoft.com/sharepoint/v3/contenttype/forms">
+  <Display>DocumentLibraryForm</Display>
+  <Edit>DocumentLibraryForm</Edit>
+  <New>DocumentLibraryForm</New>
+</FormTemplates>
+</file>
+
+<file path=customXml/item2.xml><?xml version="1.0" encoding="utf-8"?>
 <ct:contentTypeSchema xmlns:ct="http://schemas.microsoft.com/office/2006/metadata/contentType" xmlns:ma="http://schemas.microsoft.com/office/2006/metadata/properties/metaAttributes" ct:_="" ma:_="" ma:contentTypeName="Document" ma:contentTypeID="0x01010079F111ED35F8CC479449609E8A0923A6" ma:contentTypeVersion="11" ma:contentTypeDescription="Create a new document." ma:contentTypeScope="" ma:versionID="1c2eb7a32e66fb6e4260f3771546a5e2">
   <xsd:schema xmlns:xsd="http://www.w3.org/2001/XMLSchema" xmlns:xs="http://www.w3.org/2001/XMLSchema" xmlns:p="http://schemas.microsoft.com/office/2006/metadata/properties" xmlns:ns2="71af3243-3dd4-4a8d-8c0d-dd76da1f02a5" xmlns:ns3="16c05727-aa75-4e4a-9b5f-8a80a1165891" targetNamespace="http://schemas.microsoft.com/office/2006/metadata/properties" ma:root="true" ma:fieldsID="04e1f6479c48b08974ba73b5ca973489" ns2:_="" ns3:_="">
     <xsd:import namespace="71af3243-3dd4-4a8d-8c0d-dd76da1f02a5"/>
@@ -12298,15 +11923,6 @@
 </ct:contentTypeSchema>
 </file>
 
-<file path=customXml/item2.xml><?xml version="1.0" encoding="utf-8"?>
-<?mso-contentType ?>
-<FormTemplates xmlns="http://schemas.microsoft.com/sharepoint/v3/contenttype/forms">
-  <Display>DocumentLibraryForm</Display>
-  <Edit>DocumentLibraryForm</Edit>
-  <New>DocumentLibraryForm</New>
-</FormTemplates>
-</file>
-
 <file path=customXml/item3.xml><?xml version="1.0" encoding="utf-8"?>
 <p:properties xmlns:p="http://schemas.microsoft.com/office/2006/metadata/properties" xmlns:xsi="http://www.w3.org/2001/XMLSchema-instance" xmlns:pc="http://schemas.microsoft.com/office/infopath/2007/PartnerControls">
   <documentManagement>
@@ -12316,6 +11932,14 @@
 </file>
 
 <file path=customXml/itemProps1.xml><?xml version="1.0" encoding="utf-8"?>
+<ds:datastoreItem xmlns:ds="http://schemas.openxmlformats.org/officeDocument/2006/customXml" ds:itemID="{BCF9EC99-89FF-486C-9E02-31E13FD72E16}">
+  <ds:schemaRefs>
+    <ds:schemaRef ds:uri="http://schemas.microsoft.com/sharepoint/v3/contenttype/forms"/>
+  </ds:schemaRefs>
+</ds:datastoreItem>
+</file>
+
+<file path=customXml/itemProps2.xml><?xml version="1.0" encoding="utf-8"?>
 <ds:datastoreItem xmlns:ds="http://schemas.openxmlformats.org/officeDocument/2006/customXml" ds:itemID="{596CF9D2-F3E0-450F-B184-8D2A0EB8B18B}">
   <ds:schemaRefs>
     <ds:schemaRef ds:uri="http://schemas.microsoft.com/office/2006/metadata/contentType"/>
@@ -12330,14 +11954,6 @@
     <ds:schemaRef ds:uri="http://purl.org/dc/elements/1.1/"/>
     <ds:schemaRef ds:uri="http://purl.org/dc/terms/"/>
     <ds:schemaRef ds:uri="http://schemas.microsoft.com/internal/obd"/>
-  </ds:schemaRefs>
-</ds:datastoreItem>
-</file>
-
-<file path=customXml/itemProps2.xml><?xml version="1.0" encoding="utf-8"?>
-<ds:datastoreItem xmlns:ds="http://schemas.openxmlformats.org/officeDocument/2006/customXml" ds:itemID="{BCF9EC99-89FF-486C-9E02-31E13FD72E16}">
-  <ds:schemaRefs>
-    <ds:schemaRef ds:uri="http://schemas.microsoft.com/sharepoint/v3/contenttype/forms"/>
   </ds:schemaRefs>
 </ds:datastoreItem>
 </file>

--- a/Editables/Fase 3 - Construção.pptx
+++ b/Editables/Fase 3 - Construção.pptx
@@ -5,10 +5,10 @@
     <p:sldMasterId id="2147483708" r:id="rId4"/>
   </p:sldMasterIdLst>
   <p:notesMasterIdLst>
-    <p:notesMasterId r:id="rId16"/>
+    <p:notesMasterId r:id="rId17"/>
   </p:notesMasterIdLst>
   <p:handoutMasterIdLst>
-    <p:handoutMasterId r:id="rId17"/>
+    <p:handoutMasterId r:id="rId18"/>
   </p:handoutMasterIdLst>
   <p:sldIdLst>
     <p:sldId id="256" r:id="rId5"/>
@@ -21,7 +21,8 @@
     <p:sldId id="277" r:id="rId12"/>
     <p:sldId id="284" r:id="rId13"/>
     <p:sldId id="286" r:id="rId14"/>
-    <p:sldId id="267" r:id="rId15"/>
+    <p:sldId id="288" r:id="rId15"/>
+    <p:sldId id="267" r:id="rId16"/>
   </p:sldIdLst>
   <p:sldSz cx="12192000" cy="6858000"/>
   <p:notesSz cx="6858000" cy="9144000"/>
@@ -145,7 +146,7 @@
 <file path=ppt/revisionInfo.xml><?xml version="1.0" encoding="utf-8"?>
 <p1510:revInfo xmlns:a="http://schemas.openxmlformats.org/drawingml/2006/main" xmlns:r="http://schemas.openxmlformats.org/officeDocument/2006/relationships" xmlns:p1510="http://schemas.microsoft.com/office/powerpoint/2015/10/main">
   <p1510:revLst>
-    <p1510:client id="{E6087568-9E66-4C67-8420-88369500C5DA}" v="304" dt="2023-05-17T15:54:57.082"/>
+    <p1510:client id="{E6087568-9E66-4C67-8420-88369500C5DA}" v="306" dt="2023-05-17T18:33:46.986"/>
   </p1510:revLst>
 </p1510:revInfo>
 </file>
@@ -580,7 +581,7 @@
   <pc:docChgLst>
     <pc:chgData name="Tiago Fonseca" userId="0bf00240-3020-4d01-a24b-06825a2f49d7" providerId="ADAL" clId="{E6087568-9E66-4C67-8420-88369500C5DA}"/>
     <pc:docChg chg="undo custSel addSld delSld modSld">
-      <pc:chgData name="Tiago Fonseca" userId="0bf00240-3020-4d01-a24b-06825a2f49d7" providerId="ADAL" clId="{E6087568-9E66-4C67-8420-88369500C5DA}" dt="2023-05-17T16:12:31.678" v="2136" actId="20577"/>
+      <pc:chgData name="Tiago Fonseca" userId="0bf00240-3020-4d01-a24b-06825a2f49d7" providerId="ADAL" clId="{E6087568-9E66-4C67-8420-88369500C5DA}" dt="2023-05-17T18:35:20.516" v="4240" actId="20577"/>
       <pc:docMkLst>
         <pc:docMk/>
       </pc:docMkLst>
@@ -599,18 +600,50 @@
           </ac:spMkLst>
         </pc:spChg>
       </pc:sldChg>
-      <pc:sldChg chg="modSp mod">
-        <pc:chgData name="Tiago Fonseca" userId="0bf00240-3020-4d01-a24b-06825a2f49d7" providerId="ADAL" clId="{E6087568-9E66-4C67-8420-88369500C5DA}" dt="2023-05-17T15:23:21.451" v="78" actId="20577"/>
+      <pc:sldChg chg="addSp delSp modSp mod">
+        <pc:chgData name="Tiago Fonseca" userId="0bf00240-3020-4d01-a24b-06825a2f49d7" providerId="ADAL" clId="{E6087568-9E66-4C67-8420-88369500C5DA}" dt="2023-05-17T18:25:10.446" v="3051" actId="20577"/>
         <pc:sldMkLst>
           <pc:docMk/>
           <pc:sldMk cId="3065993080" sldId="272"/>
         </pc:sldMkLst>
         <pc:spChg chg="mod">
-          <ac:chgData name="Tiago Fonseca" userId="0bf00240-3020-4d01-a24b-06825a2f49d7" providerId="ADAL" clId="{E6087568-9E66-4C67-8420-88369500C5DA}" dt="2023-05-17T15:23:21.451" v="78" actId="20577"/>
+          <ac:chgData name="Tiago Fonseca" userId="0bf00240-3020-4d01-a24b-06825a2f49d7" providerId="ADAL" clId="{E6087568-9E66-4C67-8420-88369500C5DA}" dt="2023-05-17T18:24:47.576" v="3035" actId="20577"/>
           <ac:spMkLst>
             <pc:docMk/>
             <pc:sldMk cId="3065993080" sldId="272"/>
             <ac:spMk id="2" creationId="{98A32DE6-6B29-7489-635B-950DAAB3B577}"/>
+          </ac:spMkLst>
+        </pc:spChg>
+        <pc:spChg chg="del">
+          <ac:chgData name="Tiago Fonseca" userId="0bf00240-3020-4d01-a24b-06825a2f49d7" providerId="ADAL" clId="{E6087568-9E66-4C67-8420-88369500C5DA}" dt="2023-05-17T18:16:08.462" v="2142" actId="478"/>
+          <ac:spMkLst>
+            <pc:docMk/>
+            <pc:sldMk cId="3065993080" sldId="272"/>
+            <ac:spMk id="3" creationId="{E82AFDAC-88B1-3AB9-A268-4DF9CBD41DFE}"/>
+          </ac:spMkLst>
+        </pc:spChg>
+        <pc:spChg chg="del">
+          <ac:chgData name="Tiago Fonseca" userId="0bf00240-3020-4d01-a24b-06825a2f49d7" providerId="ADAL" clId="{E6087568-9E66-4C67-8420-88369500C5DA}" dt="2023-05-17T18:16:14.752" v="2144" actId="478"/>
+          <ac:spMkLst>
+            <pc:docMk/>
+            <pc:sldMk cId="3065993080" sldId="272"/>
+            <ac:spMk id="4" creationId="{92CFAAB8-82E9-6F73-6CC3-681D1C6495C1}"/>
+          </ac:spMkLst>
+        </pc:spChg>
+        <pc:spChg chg="del">
+          <ac:chgData name="Tiago Fonseca" userId="0bf00240-3020-4d01-a24b-06825a2f49d7" providerId="ADAL" clId="{E6087568-9E66-4C67-8420-88369500C5DA}" dt="2023-05-17T18:16:15.819" v="2145" actId="478"/>
+          <ac:spMkLst>
+            <pc:docMk/>
+            <pc:sldMk cId="3065993080" sldId="272"/>
+            <ac:spMk id="5" creationId="{523D7428-4450-98A4-7C9A-A059F73C4BBB}"/>
+          </ac:spMkLst>
+        </pc:spChg>
+        <pc:spChg chg="add mod">
+          <ac:chgData name="Tiago Fonseca" userId="0bf00240-3020-4d01-a24b-06825a2f49d7" providerId="ADAL" clId="{E6087568-9E66-4C67-8420-88369500C5DA}" dt="2023-05-17T18:25:10.446" v="3051" actId="20577"/>
+          <ac:spMkLst>
+            <pc:docMk/>
+            <pc:sldMk cId="3065993080" sldId="272"/>
+            <ac:spMk id="7" creationId="{4CDF2A1F-BDE4-7ECC-7CEB-42822AAE7A2D}"/>
           </ac:spMkLst>
         </pc:spChg>
       </pc:sldChg>
@@ -678,19 +711,27 @@
         </pc:picChg>
       </pc:sldChg>
       <pc:sldChg chg="modSp mod">
-        <pc:chgData name="Tiago Fonseca" userId="0bf00240-3020-4d01-a24b-06825a2f49d7" providerId="ADAL" clId="{E6087568-9E66-4C67-8420-88369500C5DA}" dt="2023-05-17T15:23:04.069" v="36" actId="20577"/>
+        <pc:chgData name="Tiago Fonseca" userId="0bf00240-3020-4d01-a24b-06825a2f49d7" providerId="ADAL" clId="{E6087568-9E66-4C67-8420-88369500C5DA}" dt="2023-05-17T18:15:18.861" v="2141" actId="20577"/>
         <pc:sldMkLst>
           <pc:docMk/>
           <pc:sldMk cId="996926825" sldId="279"/>
         </pc:sldMkLst>
         <pc:spChg chg="mod">
-          <ac:chgData name="Tiago Fonseca" userId="0bf00240-3020-4d01-a24b-06825a2f49d7" providerId="ADAL" clId="{E6087568-9E66-4C67-8420-88369500C5DA}" dt="2023-05-17T15:23:04.069" v="36" actId="20577"/>
+          <ac:chgData name="Tiago Fonseca" userId="0bf00240-3020-4d01-a24b-06825a2f49d7" providerId="ADAL" clId="{E6087568-9E66-4C67-8420-88369500C5DA}" dt="2023-05-17T18:15:18.861" v="2141" actId="20577"/>
           <ac:spMkLst>
             <pc:docMk/>
             <pc:sldMk cId="996926825" sldId="279"/>
             <ac:spMk id="2" creationId="{E734342C-2173-4B23-9C3C-2950C6A3983D}"/>
           </ac:spMkLst>
         </pc:spChg>
+        <pc:picChg chg="mod">
+          <ac:chgData name="Tiago Fonseca" userId="0bf00240-3020-4d01-a24b-06825a2f49d7" providerId="ADAL" clId="{E6087568-9E66-4C67-8420-88369500C5DA}" dt="2023-05-17T18:15:15.333" v="2138" actId="1076"/>
+          <ac:picMkLst>
+            <pc:docMk/>
+            <pc:sldMk cId="996926825" sldId="279"/>
+            <ac:picMk id="5" creationId="{BDEE4019-56F2-459C-B15D-76C0CDC216FA}"/>
+          </ac:picMkLst>
+        </pc:picChg>
       </pc:sldChg>
       <pc:sldChg chg="modSp mod">
         <pc:chgData name="Tiago Fonseca" userId="0bf00240-3020-4d01-a24b-06825a2f49d7" providerId="ADAL" clId="{E6087568-9E66-4C67-8420-88369500C5DA}" dt="2023-05-17T15:23:47.034" v="109" actId="20577"/>
@@ -872,7 +913,7 @@
         </pc:spChg>
       </pc:sldChg>
       <pc:sldChg chg="addSp delSp modSp mod">
-        <pc:chgData name="Tiago Fonseca" userId="0bf00240-3020-4d01-a24b-06825a2f49d7" providerId="ADAL" clId="{E6087568-9E66-4C67-8420-88369500C5DA}" dt="2023-05-17T16:10:12.966" v="1879" actId="20577"/>
+        <pc:chgData name="Tiago Fonseca" userId="0bf00240-3020-4d01-a24b-06825a2f49d7" providerId="ADAL" clId="{E6087568-9E66-4C67-8420-88369500C5DA}" dt="2023-05-17T18:32:26.070" v="3986" actId="27636"/>
         <pc:sldMkLst>
           <pc:docMk/>
           <pc:sldMk cId="4239780882" sldId="286"/>
@@ -910,7 +951,7 @@
           </ac:spMkLst>
         </pc:spChg>
         <pc:spChg chg="add mod">
-          <ac:chgData name="Tiago Fonseca" userId="0bf00240-3020-4d01-a24b-06825a2f49d7" providerId="ADAL" clId="{E6087568-9E66-4C67-8420-88369500C5DA}" dt="2023-05-17T16:10:12.966" v="1879" actId="20577"/>
+          <ac:chgData name="Tiago Fonseca" userId="0bf00240-3020-4d01-a24b-06825a2f49d7" providerId="ADAL" clId="{E6087568-9E66-4C67-8420-88369500C5DA}" dt="2023-05-17T18:32:26.070" v="3986" actId="27636"/>
           <ac:spMkLst>
             <pc:docMk/>
             <pc:sldMk cId="4239780882" sldId="286"/>
@@ -935,7 +976,30 @@
         </pc:spChg>
       </pc:sldChg>
       <pc:sldChg chg="modSp add mod">
-        <pc:chgData name="Tiago Fonseca" userId="0bf00240-3020-4d01-a24b-06825a2f49d7" providerId="ADAL" clId="{E6087568-9E66-4C67-8420-88369500C5DA}" dt="2023-05-17T15:23:35.578" v="91" actId="20577"/>
+        <pc:chgData name="Tiago Fonseca" userId="0bf00240-3020-4d01-a24b-06825a2f49d7" providerId="ADAL" clId="{E6087568-9E66-4C67-8420-88369500C5DA}" dt="2023-05-17T18:29:20.975" v="3911" actId="20577"/>
+        <pc:sldMkLst>
+          <pc:docMk/>
+          <pc:sldMk cId="831434331" sldId="287"/>
+        </pc:sldMkLst>
+        <pc:spChg chg="mod">
+          <ac:chgData name="Tiago Fonseca" userId="0bf00240-3020-4d01-a24b-06825a2f49d7" providerId="ADAL" clId="{E6087568-9E66-4C67-8420-88369500C5DA}" dt="2023-05-17T18:25:34.112" v="3069" actId="20577"/>
+          <ac:spMkLst>
+            <pc:docMk/>
+            <pc:sldMk cId="831434331" sldId="287"/>
+            <ac:spMk id="2" creationId="{98A32DE6-6B29-7489-635B-950DAAB3B577}"/>
+          </ac:spMkLst>
+        </pc:spChg>
+        <pc:spChg chg="mod">
+          <ac:chgData name="Tiago Fonseca" userId="0bf00240-3020-4d01-a24b-06825a2f49d7" providerId="ADAL" clId="{E6087568-9E66-4C67-8420-88369500C5DA}" dt="2023-05-17T18:29:20.975" v="3911" actId="20577"/>
+          <ac:spMkLst>
+            <pc:docMk/>
+            <pc:sldMk cId="831434331" sldId="287"/>
+            <ac:spMk id="7" creationId="{4CDF2A1F-BDE4-7ECC-7CEB-42822AAE7A2D}"/>
+          </ac:spMkLst>
+        </pc:spChg>
+      </pc:sldChg>
+      <pc:sldChg chg="addSp delSp modSp add del mod">
+        <pc:chgData name="Tiago Fonseca" userId="0bf00240-3020-4d01-a24b-06825a2f49d7" providerId="ADAL" clId="{E6087568-9E66-4C67-8420-88369500C5DA}" dt="2023-05-17T18:18:07.066" v="2306" actId="47"/>
         <pc:sldMkLst>
           <pc:docMk/>
           <pc:sldMk cId="1586823910" sldId="287"/>
@@ -946,6 +1010,53 @@
             <pc:docMk/>
             <pc:sldMk cId="1586823910" sldId="287"/>
             <ac:spMk id="2" creationId="{98A32DE6-6B29-7489-635B-950DAAB3B577}"/>
+          </ac:spMkLst>
+        </pc:spChg>
+        <pc:spChg chg="del">
+          <ac:chgData name="Tiago Fonseca" userId="0bf00240-3020-4d01-a24b-06825a2f49d7" providerId="ADAL" clId="{E6087568-9E66-4C67-8420-88369500C5DA}" dt="2023-05-17T18:17:42.076" v="2301" actId="478"/>
+          <ac:spMkLst>
+            <pc:docMk/>
+            <pc:sldMk cId="1586823910" sldId="287"/>
+            <ac:spMk id="3" creationId="{E82AFDAC-88B1-3AB9-A268-4DF9CBD41DFE}"/>
+          </ac:spMkLst>
+        </pc:spChg>
+        <pc:spChg chg="del">
+          <ac:chgData name="Tiago Fonseca" userId="0bf00240-3020-4d01-a24b-06825a2f49d7" providerId="ADAL" clId="{E6087568-9E66-4C67-8420-88369500C5DA}" dt="2023-05-17T18:17:46.271" v="2303" actId="478"/>
+          <ac:spMkLst>
+            <pc:docMk/>
+            <pc:sldMk cId="1586823910" sldId="287"/>
+            <ac:spMk id="4" creationId="{92CFAAB8-82E9-6F73-6CC3-681D1C6495C1}"/>
+          </ac:spMkLst>
+        </pc:spChg>
+        <pc:spChg chg="del">
+          <ac:chgData name="Tiago Fonseca" userId="0bf00240-3020-4d01-a24b-06825a2f49d7" providerId="ADAL" clId="{E6087568-9E66-4C67-8420-88369500C5DA}" dt="2023-05-17T18:17:48.581" v="2304" actId="478"/>
+          <ac:spMkLst>
+            <pc:docMk/>
+            <pc:sldMk cId="1586823910" sldId="287"/>
+            <ac:spMk id="5" creationId="{523D7428-4450-98A4-7C9A-A059F73C4BBB}"/>
+          </ac:spMkLst>
+        </pc:spChg>
+        <pc:spChg chg="add mod">
+          <ac:chgData name="Tiago Fonseca" userId="0bf00240-3020-4d01-a24b-06825a2f49d7" providerId="ADAL" clId="{E6087568-9E66-4C67-8420-88369500C5DA}" dt="2023-05-17T18:17:51.539" v="2305" actId="14100"/>
+          <ac:spMkLst>
+            <pc:docMk/>
+            <pc:sldMk cId="1586823910" sldId="287"/>
+            <ac:spMk id="7" creationId="{4490ABC2-259B-F787-AAC6-C5FFD2F3BA35}"/>
+          </ac:spMkLst>
+        </pc:spChg>
+      </pc:sldChg>
+      <pc:sldChg chg="modSp add mod">
+        <pc:chgData name="Tiago Fonseca" userId="0bf00240-3020-4d01-a24b-06825a2f49d7" providerId="ADAL" clId="{E6087568-9E66-4C67-8420-88369500C5DA}" dt="2023-05-17T18:35:20.516" v="4240" actId="20577"/>
+        <pc:sldMkLst>
+          <pc:docMk/>
+          <pc:sldMk cId="2100602676" sldId="288"/>
+        </pc:sldMkLst>
+        <pc:spChg chg="mod">
+          <ac:chgData name="Tiago Fonseca" userId="0bf00240-3020-4d01-a24b-06825a2f49d7" providerId="ADAL" clId="{E6087568-9E66-4C67-8420-88369500C5DA}" dt="2023-05-17T18:35:20.516" v="4240" actId="20577"/>
+          <ac:spMkLst>
+            <pc:docMk/>
+            <pc:sldMk cId="2100602676" sldId="288"/>
+            <ac:spMk id="7" creationId="{3781BB72-06CF-6EC3-7E08-64DE68C0CE29}"/>
           </ac:spMkLst>
         </pc:spChg>
       </pc:sldChg>
@@ -2633,7 +2744,7 @@
           <a:p>
             <a:fld id="{44525C07-A26B-43C4-826F-2469C0661D24}" type="slidenum">
               <a:rPr lang="pt-PT" smtClean="0"/>
-              <a:t>11</a:t>
+              <a:t>12</a:t>
             </a:fld>
             <a:endParaRPr lang="pt-PT"/>
           </a:p>
@@ -6586,7 +6697,7 @@
         </p:spPr>
         <p:txBody>
           <a:bodyPr>
-            <a:normAutofit fontScale="85000" lnSpcReduction="20000"/>
+            <a:normAutofit/>
           </a:bodyPr>
           <a:lstStyle/>
           <a:p>
@@ -6653,20 +6764,6 @@
             <a:r>
               <a:rPr lang="pt-PT" dirty="0"/>
               <a:t>”, devido à sua versatilidade e rápida reutilização</a:t>
-            </a:r>
-          </a:p>
-          <a:p>
-            <a:r>
-              <a:rPr lang="pt-PT" dirty="0"/>
-              <a:t>Para a coordenação do desenvolvimento do software, foi utilizado o </a:t>
-            </a:r>
-            <a:r>
-              <a:rPr lang="pt-PT" dirty="0" err="1"/>
-              <a:t>Github</a:t>
-            </a:r>
-            <a:r>
-              <a:rPr lang="pt-PT" dirty="0"/>
-              <a:t>, de forma a manter um alto controlo de versões.</a:t>
             </a:r>
           </a:p>
         </p:txBody>
@@ -6685,6 +6782,173 @@
 </file>
 
 <file path=ppt/slides/slide11.xml><?xml version="1.0" encoding="utf-8"?>
+<p:sld xmlns:a="http://schemas.openxmlformats.org/drawingml/2006/main" xmlns:r="http://schemas.openxmlformats.org/officeDocument/2006/relationships" xmlns:p="http://schemas.openxmlformats.org/presentationml/2006/main">
+  <p:cSld>
+    <p:spTree>
+      <p:nvGrpSpPr>
+        <p:cNvPr id="1" name=""/>
+        <p:cNvGrpSpPr/>
+        <p:nvPr/>
+      </p:nvGrpSpPr>
+      <p:grpSpPr>
+        <a:xfrm>
+          <a:off x="0" y="0"/>
+          <a:ext cx="0" cy="0"/>
+          <a:chOff x="0" y="0"/>
+          <a:chExt cx="0" cy="0"/>
+        </a:xfrm>
+      </p:grpSpPr>
+      <p:sp>
+        <p:nvSpPr>
+          <p:cNvPr id="2" name="Título 1">
+            <a:extLst>
+              <a:ext uri="{FF2B5EF4-FFF2-40B4-BE49-F238E27FC236}">
+                <a16:creationId xmlns:a16="http://schemas.microsoft.com/office/drawing/2014/main" id="{931451AD-4895-B705-D9DD-AE4EECD87102}"/>
+              </a:ext>
+            </a:extLst>
+          </p:cNvPr>
+          <p:cNvSpPr>
+            <a:spLocks noGrp="1"/>
+          </p:cNvSpPr>
+          <p:nvPr>
+            <p:ph type="title"/>
+          </p:nvPr>
+        </p:nvSpPr>
+        <p:spPr/>
+        <p:txBody>
+          <a:bodyPr/>
+          <a:lstStyle/>
+          <a:p>
+            <a:pPr algn="ctr"/>
+            <a:r>
+              <a:rPr lang="pt-PT" dirty="0"/>
+              <a:t>Estratégia </a:t>
+            </a:r>
+            <a:r>
+              <a:rPr lang="pt-PT"/>
+              <a:t>de implementação</a:t>
+            </a:r>
+            <a:endParaRPr lang="pt-PT" dirty="0"/>
+          </a:p>
+        </p:txBody>
+      </p:sp>
+      <p:sp>
+        <p:nvSpPr>
+          <p:cNvPr id="7" name="Marcador de Posição de Conteúdo 6">
+            <a:extLst>
+              <a:ext uri="{FF2B5EF4-FFF2-40B4-BE49-F238E27FC236}">
+                <a16:creationId xmlns:a16="http://schemas.microsoft.com/office/drawing/2014/main" id="{3781BB72-06CF-6EC3-7E08-64DE68C0CE29}"/>
+              </a:ext>
+            </a:extLst>
+          </p:cNvPr>
+          <p:cNvSpPr>
+            <a:spLocks noGrp="1"/>
+          </p:cNvSpPr>
+          <p:nvPr>
+            <p:ph sz="half" idx="2"/>
+          </p:nvPr>
+        </p:nvSpPr>
+        <p:spPr>
+          <a:xfrm>
+            <a:off x="1447191" y="2244606"/>
+            <a:ext cx="9697059" cy="2645802"/>
+          </a:xfrm>
+        </p:spPr>
+        <p:txBody>
+          <a:bodyPr>
+            <a:normAutofit lnSpcReduction="10000"/>
+          </a:bodyPr>
+          <a:lstStyle/>
+          <a:p>
+            <a:r>
+              <a:rPr lang="pt-PT" dirty="0"/>
+              <a:t>Para a coordenação do desenvolvimento do software, foi utilizado o </a:t>
+            </a:r>
+            <a:r>
+              <a:rPr lang="pt-PT" dirty="0" err="1"/>
+              <a:t>Github</a:t>
+            </a:r>
+            <a:r>
+              <a:rPr lang="pt-PT" dirty="0"/>
+              <a:t>, de forma a manter um alto controlo de versões.</a:t>
+            </a:r>
+          </a:p>
+          <a:p>
+            <a:r>
+              <a:rPr lang="pt-PT" dirty="0"/>
+              <a:t>“</a:t>
+            </a:r>
+            <a:r>
+              <a:rPr lang="pt-PT" dirty="0" err="1"/>
+              <a:t>Frontend</a:t>
+            </a:r>
+            <a:r>
+              <a:rPr lang="pt-PT" dirty="0"/>
+              <a:t>” (HTML) : Lucas Matos</a:t>
+            </a:r>
+          </a:p>
+          <a:p>
+            <a:r>
+              <a:rPr lang="pt-PT" dirty="0"/>
+              <a:t>“</a:t>
+            </a:r>
+            <a:r>
+              <a:rPr lang="pt-PT" dirty="0" err="1"/>
+              <a:t>Frontend</a:t>
+            </a:r>
+            <a:r>
+              <a:rPr lang="pt-PT" dirty="0"/>
+              <a:t>” (JS e CSS) : Hugo Xavier</a:t>
+            </a:r>
+          </a:p>
+          <a:p>
+            <a:r>
+              <a:rPr lang="pt-PT" dirty="0"/>
+              <a:t>“</a:t>
+            </a:r>
+            <a:r>
+              <a:rPr lang="pt-PT" dirty="0" err="1"/>
+              <a:t>Backend</a:t>
+            </a:r>
+            <a:r>
+              <a:rPr lang="pt-PT" dirty="0"/>
+              <a:t>” (Autenticações) : Filipe Sousa</a:t>
+            </a:r>
+          </a:p>
+          <a:p>
+            <a:r>
+              <a:rPr lang="pt-PT" dirty="0"/>
+              <a:t>“</a:t>
+            </a:r>
+            <a:r>
+              <a:rPr lang="pt-PT" dirty="0" err="1"/>
+              <a:t>Backend</a:t>
+            </a:r>
+            <a:r>
+              <a:rPr lang="pt-PT" dirty="0"/>
+              <a:t>” (Base de Dados) : </a:t>
+            </a:r>
+            <a:r>
+              <a:rPr lang="pt-PT"/>
+              <a:t>Tiago Fonseca</a:t>
+            </a:r>
+          </a:p>
+        </p:txBody>
+      </p:sp>
+    </p:spTree>
+    <p:extLst>
+      <p:ext uri="{BB962C8B-B14F-4D97-AF65-F5344CB8AC3E}">
+        <p14:creationId xmlns:p14="http://schemas.microsoft.com/office/powerpoint/2010/main" val="2100602676"/>
+      </p:ext>
+    </p:extLst>
+  </p:cSld>
+  <p:clrMapOvr>
+    <a:masterClrMapping/>
+  </p:clrMapOvr>
+</p:sld>
+</file>
+
+<file path=ppt/slides/slide12.xml><?xml version="1.0" encoding="utf-8"?>
 <p:sld xmlns:a="http://schemas.openxmlformats.org/drawingml/2006/main" xmlns:r="http://schemas.openxmlformats.org/officeDocument/2006/relationships" xmlns:p="http://schemas.openxmlformats.org/presentationml/2006/main">
   <p:cSld>
     <p:bg>
@@ -7643,7 +7907,7 @@
                   <a:srgbClr val="FFFFFE"/>
                 </a:solidFill>
               </a:rPr>
-              <a:t>Objetivos pretendidos</a:t>
+              <a:t>Objetivos</a:t>
             </a:r>
           </a:p>
         </p:txBody>
@@ -7749,18 +8013,19 @@
           <a:p>
             <a:pPr algn="ctr"/>
             <a:r>
-              <a:rPr lang="pt-PT" dirty="0"/>
-              <a:t>qualidades</a:t>
-            </a:r>
+              <a:rPr lang="pt-PT" dirty="0" err="1"/>
+              <a:t>qUalidades</a:t>
+            </a:r>
+            <a:endParaRPr lang="pt-PT" dirty="0"/>
           </a:p>
         </p:txBody>
       </p:sp>
       <p:sp>
         <p:nvSpPr>
-          <p:cNvPr id="3" name="Marcador de Posição de Conteúdo 2">
+          <p:cNvPr id="7" name="Marcador de Posição de Conteúdo 6">
             <a:extLst>
               <a:ext uri="{FF2B5EF4-FFF2-40B4-BE49-F238E27FC236}">
-                <a16:creationId xmlns:a16="http://schemas.microsoft.com/office/drawing/2014/main" id="{E82AFDAC-88B1-3AB9-A268-4DF9CBD41DFE}"/>
+                <a16:creationId xmlns:a16="http://schemas.microsoft.com/office/drawing/2014/main" id="{4CDF2A1F-BDE4-7ECC-7CEB-42822AAE7A2D}"/>
               </a:ext>
             </a:extLst>
           </p:cNvPr>
@@ -7773,570 +8038,29 @@
         </p:nvSpPr>
         <p:spPr>
           <a:xfrm>
-            <a:off x="1451579" y="2015732"/>
-            <a:ext cx="3425221" cy="3450613"/>
+            <a:off x="1451579" y="2106386"/>
+            <a:ext cx="9603275" cy="3359959"/>
           </a:xfrm>
         </p:spPr>
         <p:txBody>
           <a:bodyPr/>
           <a:lstStyle/>
           <a:p>
-            <a:pPr marL="0" indent="0">
-              <a:buNone/>
-            </a:pPr>
             <a:r>
               <a:rPr lang="pt-PT" dirty="0"/>
-              <a:t>Interface e Usabilidade:</a:t>
+              <a:t>Facilidade de acesso em todo o lado e a qualquer momento, sem necessidade de instalação de qualquer tipo de “software”</a:t>
             </a:r>
           </a:p>
           <a:p>
             <a:r>
               <a:rPr lang="pt-PT" dirty="0"/>
-              <a:t>Navegabilidade Livre</a:t>
+              <a:t>Toda a informação e dados dos utilizadores são mantidos internamente, garantindo assim um nível de segurança elevado</a:t>
             </a:r>
           </a:p>
           <a:p>
             <a:r>
               <a:rPr lang="pt-PT" dirty="0"/>
-              <a:t>Facilidade de Uso</a:t>
-            </a:r>
-          </a:p>
-          <a:p>
-            <a:r>
-              <a:rPr lang="pt-PT" dirty="0"/>
-              <a:t>Compatibilidade na Internet</a:t>
-            </a:r>
-          </a:p>
-        </p:txBody>
-      </p:sp>
-      <p:sp>
-        <p:nvSpPr>
-          <p:cNvPr id="4" name="Marcador de Posição de Conteúdo 2">
-            <a:extLst>
-              <a:ext uri="{FF2B5EF4-FFF2-40B4-BE49-F238E27FC236}">
-                <a16:creationId xmlns:a16="http://schemas.microsoft.com/office/drawing/2014/main" id="{92CFAAB8-82E9-6F73-6CC3-681D1C6495C1}"/>
-              </a:ext>
-            </a:extLst>
-          </p:cNvPr>
-          <p:cNvSpPr txBox="1">
-            <a:spLocks/>
-          </p:cNvSpPr>
-          <p:nvPr/>
-        </p:nvSpPr>
-        <p:spPr>
-          <a:xfrm>
-            <a:off x="4876800" y="2015731"/>
-            <a:ext cx="3425221" cy="3450613"/>
-          </a:xfrm>
-          <a:prstGeom prst="rect">
-            <a:avLst/>
-          </a:prstGeom>
-        </p:spPr>
-        <p:txBody>
-          <a:bodyPr vert="horz" lIns="91440" tIns="45720" rIns="91440" bIns="45720" rtlCol="0" anchor="t">
-            <a:normAutofit/>
-          </a:bodyPr>
-          <a:lstStyle>
-            <a:lvl1pPr marL="228600" indent="-228600" algn="l" defTabSz="914400" rtl="0" eaLnBrk="1" latinLnBrk="0" hangingPunct="1">
-              <a:lnSpc>
-                <a:spcPct val="120000"/>
-              </a:lnSpc>
-              <a:spcBef>
-                <a:spcPts val="1000"/>
-              </a:spcBef>
-              <a:buClr>
-                <a:schemeClr val="accent1"/>
-              </a:buClr>
-              <a:buSzPct val="100000"/>
-              <a:buFont typeface="Arial" panose="020B0604020202020204" pitchFamily="34" charset="0"/>
-              <a:buChar char="•"/>
-              <a:defRPr sz="2000" kern="1200">
-                <a:solidFill>
-                  <a:schemeClr val="tx1"/>
-                </a:solidFill>
-                <a:effectLst/>
-                <a:latin typeface="+mn-lt"/>
-                <a:ea typeface="+mn-ea"/>
-                <a:cs typeface="+mn-cs"/>
-              </a:defRPr>
-            </a:lvl1pPr>
-            <a:lvl2pPr marL="685800" indent="-228600" algn="l" defTabSz="914400" rtl="0" eaLnBrk="1" latinLnBrk="0" hangingPunct="1">
-              <a:lnSpc>
-                <a:spcPct val="120000"/>
-              </a:lnSpc>
-              <a:spcBef>
-                <a:spcPts val="500"/>
-              </a:spcBef>
-              <a:buClr>
-                <a:schemeClr val="accent1"/>
-              </a:buClr>
-              <a:buSzPct val="100000"/>
-              <a:buFont typeface="Arial" panose="020B0604020202020204" pitchFamily="34" charset="0"/>
-              <a:buChar char="•"/>
-              <a:defRPr sz="1800" kern="1200" cap="none" baseline="0">
-                <a:solidFill>
-                  <a:schemeClr val="tx1"/>
-                </a:solidFill>
-                <a:effectLst/>
-                <a:latin typeface="+mn-lt"/>
-                <a:ea typeface="+mn-ea"/>
-                <a:cs typeface="+mn-cs"/>
-              </a:defRPr>
-            </a:lvl2pPr>
-            <a:lvl3pPr marL="1143000" indent="-228600" algn="l" defTabSz="914400" rtl="0" eaLnBrk="1" latinLnBrk="0" hangingPunct="1">
-              <a:lnSpc>
-                <a:spcPct val="120000"/>
-              </a:lnSpc>
-              <a:spcBef>
-                <a:spcPts val="500"/>
-              </a:spcBef>
-              <a:buClr>
-                <a:schemeClr val="accent1"/>
-              </a:buClr>
-              <a:buSzPct val="100000"/>
-              <a:buFont typeface="Arial" panose="020B0604020202020204" pitchFamily="34" charset="0"/>
-              <a:buChar char="•"/>
-              <a:defRPr sz="1600" kern="1200">
-                <a:solidFill>
-                  <a:schemeClr val="tx1"/>
-                </a:solidFill>
-                <a:effectLst/>
-                <a:latin typeface="+mn-lt"/>
-                <a:ea typeface="+mn-ea"/>
-                <a:cs typeface="+mn-cs"/>
-              </a:defRPr>
-            </a:lvl3pPr>
-            <a:lvl4pPr marL="1600200" indent="-228600" algn="l" defTabSz="914400" rtl="0" eaLnBrk="1" latinLnBrk="0" hangingPunct="1">
-              <a:lnSpc>
-                <a:spcPct val="120000"/>
-              </a:lnSpc>
-              <a:spcBef>
-                <a:spcPts val="500"/>
-              </a:spcBef>
-              <a:buClr>
-                <a:schemeClr val="accent1"/>
-              </a:buClr>
-              <a:buSzPct val="100000"/>
-              <a:buFont typeface="Arial" panose="020B0604020202020204" pitchFamily="34" charset="0"/>
-              <a:buChar char="•"/>
-              <a:defRPr sz="1400" kern="1200" cap="none" baseline="0">
-                <a:solidFill>
-                  <a:schemeClr val="tx1"/>
-                </a:solidFill>
-                <a:effectLst/>
-                <a:latin typeface="+mn-lt"/>
-                <a:ea typeface="+mn-ea"/>
-                <a:cs typeface="+mn-cs"/>
-              </a:defRPr>
-            </a:lvl4pPr>
-            <a:lvl5pPr marL="2057400" indent="-228600" algn="l" defTabSz="914400" rtl="0" eaLnBrk="1" latinLnBrk="0" hangingPunct="1">
-              <a:lnSpc>
-                <a:spcPct val="120000"/>
-              </a:lnSpc>
-              <a:spcBef>
-                <a:spcPts val="500"/>
-              </a:spcBef>
-              <a:buClr>
-                <a:schemeClr val="accent1"/>
-              </a:buClr>
-              <a:buSzPct val="100000"/>
-              <a:buFont typeface="Arial" panose="020B0604020202020204" pitchFamily="34" charset="0"/>
-              <a:buChar char="•"/>
-              <a:defRPr sz="1200" kern="1200">
-                <a:solidFill>
-                  <a:schemeClr val="tx1"/>
-                </a:solidFill>
-                <a:effectLst/>
-                <a:latin typeface="+mn-lt"/>
-                <a:ea typeface="+mn-ea"/>
-                <a:cs typeface="+mn-cs"/>
-              </a:defRPr>
-            </a:lvl5pPr>
-            <a:lvl6pPr marL="2514600" indent="-228600" algn="l" defTabSz="914400" rtl="0" eaLnBrk="1" latinLnBrk="0" hangingPunct="1">
-              <a:lnSpc>
-                <a:spcPct val="120000"/>
-              </a:lnSpc>
-              <a:spcBef>
-                <a:spcPts val="500"/>
-              </a:spcBef>
-              <a:buClr>
-                <a:schemeClr val="accent1"/>
-              </a:buClr>
-              <a:buSzPct val="100000"/>
-              <a:buFont typeface="Arial" panose="020B0604020202020204" pitchFamily="34" charset="0"/>
-              <a:buChar char="•"/>
-              <a:defRPr sz="1200" kern="1200">
-                <a:solidFill>
-                  <a:schemeClr val="tx1"/>
-                </a:solidFill>
-                <a:effectLst/>
-                <a:latin typeface="+mn-lt"/>
-                <a:ea typeface="+mn-ea"/>
-                <a:cs typeface="+mn-cs"/>
-              </a:defRPr>
-            </a:lvl6pPr>
-            <a:lvl7pPr marL="2971800" indent="-228600" algn="l" defTabSz="914400" rtl="0" eaLnBrk="1" latinLnBrk="0" hangingPunct="1">
-              <a:lnSpc>
-                <a:spcPct val="120000"/>
-              </a:lnSpc>
-              <a:spcBef>
-                <a:spcPts val="500"/>
-              </a:spcBef>
-              <a:buClr>
-                <a:schemeClr val="accent1"/>
-              </a:buClr>
-              <a:buSzPct val="100000"/>
-              <a:buFont typeface="Arial" panose="020B0604020202020204" pitchFamily="34" charset="0"/>
-              <a:buChar char="•"/>
-              <a:defRPr sz="1200" kern="1200">
-                <a:solidFill>
-                  <a:schemeClr val="tx1"/>
-                </a:solidFill>
-                <a:effectLst/>
-                <a:latin typeface="+mn-lt"/>
-                <a:ea typeface="+mn-ea"/>
-                <a:cs typeface="+mn-cs"/>
-              </a:defRPr>
-            </a:lvl7pPr>
-            <a:lvl8pPr marL="3429000" indent="-228600" algn="l" defTabSz="914400" rtl="0" eaLnBrk="1" latinLnBrk="0" hangingPunct="1">
-              <a:lnSpc>
-                <a:spcPct val="120000"/>
-              </a:lnSpc>
-              <a:spcBef>
-                <a:spcPts val="500"/>
-              </a:spcBef>
-              <a:buClr>
-                <a:schemeClr val="accent1"/>
-              </a:buClr>
-              <a:buSzPct val="100000"/>
-              <a:buFont typeface="Arial" panose="020B0604020202020204" pitchFamily="34" charset="0"/>
-              <a:buChar char="•"/>
-              <a:defRPr sz="1200" kern="1200" baseline="0">
-                <a:solidFill>
-                  <a:schemeClr val="tx1"/>
-                </a:solidFill>
-                <a:effectLst/>
-                <a:latin typeface="+mn-lt"/>
-                <a:ea typeface="+mn-ea"/>
-                <a:cs typeface="+mn-cs"/>
-              </a:defRPr>
-            </a:lvl8pPr>
-            <a:lvl9pPr marL="3886200" indent="-228600" algn="l" defTabSz="914400" rtl="0" eaLnBrk="1" latinLnBrk="0" hangingPunct="1">
-              <a:lnSpc>
-                <a:spcPct val="120000"/>
-              </a:lnSpc>
-              <a:spcBef>
-                <a:spcPts val="500"/>
-              </a:spcBef>
-              <a:buClr>
-                <a:schemeClr val="accent1"/>
-              </a:buClr>
-              <a:buSzPct val="100000"/>
-              <a:buFont typeface="Arial" panose="020B0604020202020204" pitchFamily="34" charset="0"/>
-              <a:buChar char="•"/>
-              <a:defRPr sz="1200" kern="1200" baseline="0">
-                <a:solidFill>
-                  <a:schemeClr val="tx1"/>
-                </a:solidFill>
-                <a:effectLst/>
-                <a:latin typeface="+mn-lt"/>
-                <a:ea typeface="+mn-ea"/>
-                <a:cs typeface="+mn-cs"/>
-              </a:defRPr>
-            </a:lvl9pPr>
-          </a:lstStyle>
-          <a:p>
-            <a:pPr marL="0" indent="0">
-              <a:buFont typeface="Arial" panose="020B0604020202020204" pitchFamily="34" charset="0"/>
-              <a:buNone/>
-            </a:pPr>
-            <a:r>
-              <a:rPr lang="pt-PT" dirty="0"/>
-              <a:t>Desempenho:</a:t>
-            </a:r>
-          </a:p>
-          <a:p>
-            <a:r>
-              <a:rPr lang="pt-PT" dirty="0"/>
-              <a:t>Rápida Autenticação</a:t>
-            </a:r>
-          </a:p>
-          <a:p>
-            <a:r>
-              <a:rPr lang="pt-PT" dirty="0"/>
-              <a:t>Navegabilidade Rápida</a:t>
-            </a:r>
-          </a:p>
-          <a:p>
-            <a:r>
-              <a:rPr lang="pt-PT" dirty="0"/>
-              <a:t>Escalabilidade da Plataforma</a:t>
-            </a:r>
-          </a:p>
-        </p:txBody>
-      </p:sp>
-      <p:sp>
-        <p:nvSpPr>
-          <p:cNvPr id="5" name="Marcador de Posição de Conteúdo 2">
-            <a:extLst>
-              <a:ext uri="{FF2B5EF4-FFF2-40B4-BE49-F238E27FC236}">
-                <a16:creationId xmlns:a16="http://schemas.microsoft.com/office/drawing/2014/main" id="{523D7428-4450-98A4-7C9A-A059F73C4BBB}"/>
-              </a:ext>
-            </a:extLst>
-          </p:cNvPr>
-          <p:cNvSpPr txBox="1">
-            <a:spLocks/>
-          </p:cNvSpPr>
-          <p:nvPr/>
-        </p:nvSpPr>
-        <p:spPr>
-          <a:xfrm>
-            <a:off x="8302021" y="2015731"/>
-            <a:ext cx="3425221" cy="3450613"/>
-          </a:xfrm>
-          <a:prstGeom prst="rect">
-            <a:avLst/>
-          </a:prstGeom>
-        </p:spPr>
-        <p:txBody>
-          <a:bodyPr vert="horz" lIns="91440" tIns="45720" rIns="91440" bIns="45720" rtlCol="0" anchor="t">
-            <a:normAutofit/>
-          </a:bodyPr>
-          <a:lstStyle>
-            <a:lvl1pPr marL="228600" indent="-228600" algn="l" defTabSz="914400" rtl="0" eaLnBrk="1" latinLnBrk="0" hangingPunct="1">
-              <a:lnSpc>
-                <a:spcPct val="120000"/>
-              </a:lnSpc>
-              <a:spcBef>
-                <a:spcPts val="1000"/>
-              </a:spcBef>
-              <a:buClr>
-                <a:schemeClr val="accent1"/>
-              </a:buClr>
-              <a:buSzPct val="100000"/>
-              <a:buFont typeface="Arial" panose="020B0604020202020204" pitchFamily="34" charset="0"/>
-              <a:buChar char="•"/>
-              <a:defRPr sz="2000" kern="1200">
-                <a:solidFill>
-                  <a:schemeClr val="tx1"/>
-                </a:solidFill>
-                <a:effectLst/>
-                <a:latin typeface="+mn-lt"/>
-                <a:ea typeface="+mn-ea"/>
-                <a:cs typeface="+mn-cs"/>
-              </a:defRPr>
-            </a:lvl1pPr>
-            <a:lvl2pPr marL="685800" indent="-228600" algn="l" defTabSz="914400" rtl="0" eaLnBrk="1" latinLnBrk="0" hangingPunct="1">
-              <a:lnSpc>
-                <a:spcPct val="120000"/>
-              </a:lnSpc>
-              <a:spcBef>
-                <a:spcPts val="500"/>
-              </a:spcBef>
-              <a:buClr>
-                <a:schemeClr val="accent1"/>
-              </a:buClr>
-              <a:buSzPct val="100000"/>
-              <a:buFont typeface="Arial" panose="020B0604020202020204" pitchFamily="34" charset="0"/>
-              <a:buChar char="•"/>
-              <a:defRPr sz="1800" kern="1200" cap="none" baseline="0">
-                <a:solidFill>
-                  <a:schemeClr val="tx1"/>
-                </a:solidFill>
-                <a:effectLst/>
-                <a:latin typeface="+mn-lt"/>
-                <a:ea typeface="+mn-ea"/>
-                <a:cs typeface="+mn-cs"/>
-              </a:defRPr>
-            </a:lvl2pPr>
-            <a:lvl3pPr marL="1143000" indent="-228600" algn="l" defTabSz="914400" rtl="0" eaLnBrk="1" latinLnBrk="0" hangingPunct="1">
-              <a:lnSpc>
-                <a:spcPct val="120000"/>
-              </a:lnSpc>
-              <a:spcBef>
-                <a:spcPts val="500"/>
-              </a:spcBef>
-              <a:buClr>
-                <a:schemeClr val="accent1"/>
-              </a:buClr>
-              <a:buSzPct val="100000"/>
-              <a:buFont typeface="Arial" panose="020B0604020202020204" pitchFamily="34" charset="0"/>
-              <a:buChar char="•"/>
-              <a:defRPr sz="1600" kern="1200">
-                <a:solidFill>
-                  <a:schemeClr val="tx1"/>
-                </a:solidFill>
-                <a:effectLst/>
-                <a:latin typeface="+mn-lt"/>
-                <a:ea typeface="+mn-ea"/>
-                <a:cs typeface="+mn-cs"/>
-              </a:defRPr>
-            </a:lvl3pPr>
-            <a:lvl4pPr marL="1600200" indent="-228600" algn="l" defTabSz="914400" rtl="0" eaLnBrk="1" latinLnBrk="0" hangingPunct="1">
-              <a:lnSpc>
-                <a:spcPct val="120000"/>
-              </a:lnSpc>
-              <a:spcBef>
-                <a:spcPts val="500"/>
-              </a:spcBef>
-              <a:buClr>
-                <a:schemeClr val="accent1"/>
-              </a:buClr>
-              <a:buSzPct val="100000"/>
-              <a:buFont typeface="Arial" panose="020B0604020202020204" pitchFamily="34" charset="0"/>
-              <a:buChar char="•"/>
-              <a:defRPr sz="1400" kern="1200" cap="none" baseline="0">
-                <a:solidFill>
-                  <a:schemeClr val="tx1"/>
-                </a:solidFill>
-                <a:effectLst/>
-                <a:latin typeface="+mn-lt"/>
-                <a:ea typeface="+mn-ea"/>
-                <a:cs typeface="+mn-cs"/>
-              </a:defRPr>
-            </a:lvl4pPr>
-            <a:lvl5pPr marL="2057400" indent="-228600" algn="l" defTabSz="914400" rtl="0" eaLnBrk="1" latinLnBrk="0" hangingPunct="1">
-              <a:lnSpc>
-                <a:spcPct val="120000"/>
-              </a:lnSpc>
-              <a:spcBef>
-                <a:spcPts val="500"/>
-              </a:spcBef>
-              <a:buClr>
-                <a:schemeClr val="accent1"/>
-              </a:buClr>
-              <a:buSzPct val="100000"/>
-              <a:buFont typeface="Arial" panose="020B0604020202020204" pitchFamily="34" charset="0"/>
-              <a:buChar char="•"/>
-              <a:defRPr sz="1200" kern="1200">
-                <a:solidFill>
-                  <a:schemeClr val="tx1"/>
-                </a:solidFill>
-                <a:effectLst/>
-                <a:latin typeface="+mn-lt"/>
-                <a:ea typeface="+mn-ea"/>
-                <a:cs typeface="+mn-cs"/>
-              </a:defRPr>
-            </a:lvl5pPr>
-            <a:lvl6pPr marL="2514600" indent="-228600" algn="l" defTabSz="914400" rtl="0" eaLnBrk="1" latinLnBrk="0" hangingPunct="1">
-              <a:lnSpc>
-                <a:spcPct val="120000"/>
-              </a:lnSpc>
-              <a:spcBef>
-                <a:spcPts val="500"/>
-              </a:spcBef>
-              <a:buClr>
-                <a:schemeClr val="accent1"/>
-              </a:buClr>
-              <a:buSzPct val="100000"/>
-              <a:buFont typeface="Arial" panose="020B0604020202020204" pitchFamily="34" charset="0"/>
-              <a:buChar char="•"/>
-              <a:defRPr sz="1200" kern="1200">
-                <a:solidFill>
-                  <a:schemeClr val="tx1"/>
-                </a:solidFill>
-                <a:effectLst/>
-                <a:latin typeface="+mn-lt"/>
-                <a:ea typeface="+mn-ea"/>
-                <a:cs typeface="+mn-cs"/>
-              </a:defRPr>
-            </a:lvl6pPr>
-            <a:lvl7pPr marL="2971800" indent="-228600" algn="l" defTabSz="914400" rtl="0" eaLnBrk="1" latinLnBrk="0" hangingPunct="1">
-              <a:lnSpc>
-                <a:spcPct val="120000"/>
-              </a:lnSpc>
-              <a:spcBef>
-                <a:spcPts val="500"/>
-              </a:spcBef>
-              <a:buClr>
-                <a:schemeClr val="accent1"/>
-              </a:buClr>
-              <a:buSzPct val="100000"/>
-              <a:buFont typeface="Arial" panose="020B0604020202020204" pitchFamily="34" charset="0"/>
-              <a:buChar char="•"/>
-              <a:defRPr sz="1200" kern="1200">
-                <a:solidFill>
-                  <a:schemeClr val="tx1"/>
-                </a:solidFill>
-                <a:effectLst/>
-                <a:latin typeface="+mn-lt"/>
-                <a:ea typeface="+mn-ea"/>
-                <a:cs typeface="+mn-cs"/>
-              </a:defRPr>
-            </a:lvl7pPr>
-            <a:lvl8pPr marL="3429000" indent="-228600" algn="l" defTabSz="914400" rtl="0" eaLnBrk="1" latinLnBrk="0" hangingPunct="1">
-              <a:lnSpc>
-                <a:spcPct val="120000"/>
-              </a:lnSpc>
-              <a:spcBef>
-                <a:spcPts val="500"/>
-              </a:spcBef>
-              <a:buClr>
-                <a:schemeClr val="accent1"/>
-              </a:buClr>
-              <a:buSzPct val="100000"/>
-              <a:buFont typeface="Arial" panose="020B0604020202020204" pitchFamily="34" charset="0"/>
-              <a:buChar char="•"/>
-              <a:defRPr sz="1200" kern="1200" baseline="0">
-                <a:solidFill>
-                  <a:schemeClr val="tx1"/>
-                </a:solidFill>
-                <a:effectLst/>
-                <a:latin typeface="+mn-lt"/>
-                <a:ea typeface="+mn-ea"/>
-                <a:cs typeface="+mn-cs"/>
-              </a:defRPr>
-            </a:lvl8pPr>
-            <a:lvl9pPr marL="3886200" indent="-228600" algn="l" defTabSz="914400" rtl="0" eaLnBrk="1" latinLnBrk="0" hangingPunct="1">
-              <a:lnSpc>
-                <a:spcPct val="120000"/>
-              </a:lnSpc>
-              <a:spcBef>
-                <a:spcPts val="500"/>
-              </a:spcBef>
-              <a:buClr>
-                <a:schemeClr val="accent1"/>
-              </a:buClr>
-              <a:buSzPct val="100000"/>
-              <a:buFont typeface="Arial" panose="020B0604020202020204" pitchFamily="34" charset="0"/>
-              <a:buChar char="•"/>
-              <a:defRPr sz="1200" kern="1200" baseline="0">
-                <a:solidFill>
-                  <a:schemeClr val="tx1"/>
-                </a:solidFill>
-                <a:effectLst/>
-                <a:latin typeface="+mn-lt"/>
-                <a:ea typeface="+mn-ea"/>
-                <a:cs typeface="+mn-cs"/>
-              </a:defRPr>
-            </a:lvl9pPr>
-          </a:lstStyle>
-          <a:p>
-            <a:pPr marL="0" indent="0">
-              <a:buFont typeface="Arial" panose="020B0604020202020204" pitchFamily="34" charset="0"/>
-              <a:buNone/>
-            </a:pPr>
-            <a:r>
-              <a:rPr lang="pt-PT" dirty="0"/>
-              <a:t>Segurança:</a:t>
-            </a:r>
-          </a:p>
-          <a:p>
-            <a:r>
-              <a:rPr lang="pt-PT" dirty="0"/>
-              <a:t>Deteção de inatividade</a:t>
-            </a:r>
-          </a:p>
-          <a:p>
-            <a:r>
-              <a:rPr lang="pt-PT" dirty="0"/>
-              <a:t>Uso de 2FA</a:t>
-            </a:r>
-          </a:p>
-          <a:p>
-            <a:r>
-              <a:rPr lang="pt-PT" dirty="0"/>
-              <a:t>Sem registos de mensagens</a:t>
+              <a:t>Os utilizadores devem ser capazes de importar os extratos de outros bancos sem qualquer tipo de adaptação nos mesmos</a:t>
             </a:r>
           </a:p>
         </p:txBody>
@@ -8402,10 +8126,10 @@
       </p:sp>
       <p:sp>
         <p:nvSpPr>
-          <p:cNvPr id="3" name="Marcador de Posição de Conteúdo 2">
+          <p:cNvPr id="7" name="Marcador de Posição de Conteúdo 6">
             <a:extLst>
               <a:ext uri="{FF2B5EF4-FFF2-40B4-BE49-F238E27FC236}">
-                <a16:creationId xmlns:a16="http://schemas.microsoft.com/office/drawing/2014/main" id="{E82AFDAC-88B1-3AB9-A268-4DF9CBD41DFE}"/>
+                <a16:creationId xmlns:a16="http://schemas.microsoft.com/office/drawing/2014/main" id="{4CDF2A1F-BDE4-7ECC-7CEB-42822AAE7A2D}"/>
               </a:ext>
             </a:extLst>
           </p:cNvPr>
@@ -8418,570 +8142,29 @@
         </p:nvSpPr>
         <p:spPr>
           <a:xfrm>
-            <a:off x="1451579" y="2015732"/>
-            <a:ext cx="3425221" cy="3450613"/>
+            <a:off x="1451579" y="2106386"/>
+            <a:ext cx="9603275" cy="3359959"/>
           </a:xfrm>
         </p:spPr>
         <p:txBody>
           <a:bodyPr/>
           <a:lstStyle/>
           <a:p>
-            <a:pPr marL="0" indent="0">
-              <a:buNone/>
-            </a:pPr>
             <a:r>
               <a:rPr lang="pt-PT" dirty="0"/>
-              <a:t>Interface e Usabilidade:</a:t>
+              <a:t>Apenas será possível importar os extratos de uma reduzida quantidade de bancos</a:t>
             </a:r>
           </a:p>
           <a:p>
             <a:r>
               <a:rPr lang="pt-PT" dirty="0"/>
-              <a:t>Navegabilidade Livre</a:t>
+              <a:t>De forma a aumentar a segurança dos utilizadores e dos seus dados, o utilizador terá de interagir pelo menos 1 vez a cada 10 minutos com a plataforma, senão a sua sessão será revogada</a:t>
             </a:r>
           </a:p>
           <a:p>
             <a:r>
               <a:rPr lang="pt-PT" dirty="0"/>
-              <a:t>Facilidade de Uso</a:t>
-            </a:r>
-          </a:p>
-          <a:p>
-            <a:r>
-              <a:rPr lang="pt-PT" dirty="0"/>
-              <a:t>Compatibilidade na Internet</a:t>
-            </a:r>
-          </a:p>
-        </p:txBody>
-      </p:sp>
-      <p:sp>
-        <p:nvSpPr>
-          <p:cNvPr id="4" name="Marcador de Posição de Conteúdo 2">
-            <a:extLst>
-              <a:ext uri="{FF2B5EF4-FFF2-40B4-BE49-F238E27FC236}">
-                <a16:creationId xmlns:a16="http://schemas.microsoft.com/office/drawing/2014/main" id="{92CFAAB8-82E9-6F73-6CC3-681D1C6495C1}"/>
-              </a:ext>
-            </a:extLst>
-          </p:cNvPr>
-          <p:cNvSpPr txBox="1">
-            <a:spLocks/>
-          </p:cNvSpPr>
-          <p:nvPr/>
-        </p:nvSpPr>
-        <p:spPr>
-          <a:xfrm>
-            <a:off x="4876800" y="2015731"/>
-            <a:ext cx="3425221" cy="3450613"/>
-          </a:xfrm>
-          <a:prstGeom prst="rect">
-            <a:avLst/>
-          </a:prstGeom>
-        </p:spPr>
-        <p:txBody>
-          <a:bodyPr vert="horz" lIns="91440" tIns="45720" rIns="91440" bIns="45720" rtlCol="0" anchor="t">
-            <a:normAutofit/>
-          </a:bodyPr>
-          <a:lstStyle>
-            <a:lvl1pPr marL="228600" indent="-228600" algn="l" defTabSz="914400" rtl="0" eaLnBrk="1" latinLnBrk="0" hangingPunct="1">
-              <a:lnSpc>
-                <a:spcPct val="120000"/>
-              </a:lnSpc>
-              <a:spcBef>
-                <a:spcPts val="1000"/>
-              </a:spcBef>
-              <a:buClr>
-                <a:schemeClr val="accent1"/>
-              </a:buClr>
-              <a:buSzPct val="100000"/>
-              <a:buFont typeface="Arial" panose="020B0604020202020204" pitchFamily="34" charset="0"/>
-              <a:buChar char="•"/>
-              <a:defRPr sz="2000" kern="1200">
-                <a:solidFill>
-                  <a:schemeClr val="tx1"/>
-                </a:solidFill>
-                <a:effectLst/>
-                <a:latin typeface="+mn-lt"/>
-                <a:ea typeface="+mn-ea"/>
-                <a:cs typeface="+mn-cs"/>
-              </a:defRPr>
-            </a:lvl1pPr>
-            <a:lvl2pPr marL="685800" indent="-228600" algn="l" defTabSz="914400" rtl="0" eaLnBrk="1" latinLnBrk="0" hangingPunct="1">
-              <a:lnSpc>
-                <a:spcPct val="120000"/>
-              </a:lnSpc>
-              <a:spcBef>
-                <a:spcPts val="500"/>
-              </a:spcBef>
-              <a:buClr>
-                <a:schemeClr val="accent1"/>
-              </a:buClr>
-              <a:buSzPct val="100000"/>
-              <a:buFont typeface="Arial" panose="020B0604020202020204" pitchFamily="34" charset="0"/>
-              <a:buChar char="•"/>
-              <a:defRPr sz="1800" kern="1200" cap="none" baseline="0">
-                <a:solidFill>
-                  <a:schemeClr val="tx1"/>
-                </a:solidFill>
-                <a:effectLst/>
-                <a:latin typeface="+mn-lt"/>
-                <a:ea typeface="+mn-ea"/>
-                <a:cs typeface="+mn-cs"/>
-              </a:defRPr>
-            </a:lvl2pPr>
-            <a:lvl3pPr marL="1143000" indent="-228600" algn="l" defTabSz="914400" rtl="0" eaLnBrk="1" latinLnBrk="0" hangingPunct="1">
-              <a:lnSpc>
-                <a:spcPct val="120000"/>
-              </a:lnSpc>
-              <a:spcBef>
-                <a:spcPts val="500"/>
-              </a:spcBef>
-              <a:buClr>
-                <a:schemeClr val="accent1"/>
-              </a:buClr>
-              <a:buSzPct val="100000"/>
-              <a:buFont typeface="Arial" panose="020B0604020202020204" pitchFamily="34" charset="0"/>
-              <a:buChar char="•"/>
-              <a:defRPr sz="1600" kern="1200">
-                <a:solidFill>
-                  <a:schemeClr val="tx1"/>
-                </a:solidFill>
-                <a:effectLst/>
-                <a:latin typeface="+mn-lt"/>
-                <a:ea typeface="+mn-ea"/>
-                <a:cs typeface="+mn-cs"/>
-              </a:defRPr>
-            </a:lvl3pPr>
-            <a:lvl4pPr marL="1600200" indent="-228600" algn="l" defTabSz="914400" rtl="0" eaLnBrk="1" latinLnBrk="0" hangingPunct="1">
-              <a:lnSpc>
-                <a:spcPct val="120000"/>
-              </a:lnSpc>
-              <a:spcBef>
-                <a:spcPts val="500"/>
-              </a:spcBef>
-              <a:buClr>
-                <a:schemeClr val="accent1"/>
-              </a:buClr>
-              <a:buSzPct val="100000"/>
-              <a:buFont typeface="Arial" panose="020B0604020202020204" pitchFamily="34" charset="0"/>
-              <a:buChar char="•"/>
-              <a:defRPr sz="1400" kern="1200" cap="none" baseline="0">
-                <a:solidFill>
-                  <a:schemeClr val="tx1"/>
-                </a:solidFill>
-                <a:effectLst/>
-                <a:latin typeface="+mn-lt"/>
-                <a:ea typeface="+mn-ea"/>
-                <a:cs typeface="+mn-cs"/>
-              </a:defRPr>
-            </a:lvl4pPr>
-            <a:lvl5pPr marL="2057400" indent="-228600" algn="l" defTabSz="914400" rtl="0" eaLnBrk="1" latinLnBrk="0" hangingPunct="1">
-              <a:lnSpc>
-                <a:spcPct val="120000"/>
-              </a:lnSpc>
-              <a:spcBef>
-                <a:spcPts val="500"/>
-              </a:spcBef>
-              <a:buClr>
-                <a:schemeClr val="accent1"/>
-              </a:buClr>
-              <a:buSzPct val="100000"/>
-              <a:buFont typeface="Arial" panose="020B0604020202020204" pitchFamily="34" charset="0"/>
-              <a:buChar char="•"/>
-              <a:defRPr sz="1200" kern="1200">
-                <a:solidFill>
-                  <a:schemeClr val="tx1"/>
-                </a:solidFill>
-                <a:effectLst/>
-                <a:latin typeface="+mn-lt"/>
-                <a:ea typeface="+mn-ea"/>
-                <a:cs typeface="+mn-cs"/>
-              </a:defRPr>
-            </a:lvl5pPr>
-            <a:lvl6pPr marL="2514600" indent="-228600" algn="l" defTabSz="914400" rtl="0" eaLnBrk="1" latinLnBrk="0" hangingPunct="1">
-              <a:lnSpc>
-                <a:spcPct val="120000"/>
-              </a:lnSpc>
-              <a:spcBef>
-                <a:spcPts val="500"/>
-              </a:spcBef>
-              <a:buClr>
-                <a:schemeClr val="accent1"/>
-              </a:buClr>
-              <a:buSzPct val="100000"/>
-              <a:buFont typeface="Arial" panose="020B0604020202020204" pitchFamily="34" charset="0"/>
-              <a:buChar char="•"/>
-              <a:defRPr sz="1200" kern="1200">
-                <a:solidFill>
-                  <a:schemeClr val="tx1"/>
-                </a:solidFill>
-                <a:effectLst/>
-                <a:latin typeface="+mn-lt"/>
-                <a:ea typeface="+mn-ea"/>
-                <a:cs typeface="+mn-cs"/>
-              </a:defRPr>
-            </a:lvl6pPr>
-            <a:lvl7pPr marL="2971800" indent="-228600" algn="l" defTabSz="914400" rtl="0" eaLnBrk="1" latinLnBrk="0" hangingPunct="1">
-              <a:lnSpc>
-                <a:spcPct val="120000"/>
-              </a:lnSpc>
-              <a:spcBef>
-                <a:spcPts val="500"/>
-              </a:spcBef>
-              <a:buClr>
-                <a:schemeClr val="accent1"/>
-              </a:buClr>
-              <a:buSzPct val="100000"/>
-              <a:buFont typeface="Arial" panose="020B0604020202020204" pitchFamily="34" charset="0"/>
-              <a:buChar char="•"/>
-              <a:defRPr sz="1200" kern="1200">
-                <a:solidFill>
-                  <a:schemeClr val="tx1"/>
-                </a:solidFill>
-                <a:effectLst/>
-                <a:latin typeface="+mn-lt"/>
-                <a:ea typeface="+mn-ea"/>
-                <a:cs typeface="+mn-cs"/>
-              </a:defRPr>
-            </a:lvl7pPr>
-            <a:lvl8pPr marL="3429000" indent="-228600" algn="l" defTabSz="914400" rtl="0" eaLnBrk="1" latinLnBrk="0" hangingPunct="1">
-              <a:lnSpc>
-                <a:spcPct val="120000"/>
-              </a:lnSpc>
-              <a:spcBef>
-                <a:spcPts val="500"/>
-              </a:spcBef>
-              <a:buClr>
-                <a:schemeClr val="accent1"/>
-              </a:buClr>
-              <a:buSzPct val="100000"/>
-              <a:buFont typeface="Arial" panose="020B0604020202020204" pitchFamily="34" charset="0"/>
-              <a:buChar char="•"/>
-              <a:defRPr sz="1200" kern="1200" baseline="0">
-                <a:solidFill>
-                  <a:schemeClr val="tx1"/>
-                </a:solidFill>
-                <a:effectLst/>
-                <a:latin typeface="+mn-lt"/>
-                <a:ea typeface="+mn-ea"/>
-                <a:cs typeface="+mn-cs"/>
-              </a:defRPr>
-            </a:lvl8pPr>
-            <a:lvl9pPr marL="3886200" indent="-228600" algn="l" defTabSz="914400" rtl="0" eaLnBrk="1" latinLnBrk="0" hangingPunct="1">
-              <a:lnSpc>
-                <a:spcPct val="120000"/>
-              </a:lnSpc>
-              <a:spcBef>
-                <a:spcPts val="500"/>
-              </a:spcBef>
-              <a:buClr>
-                <a:schemeClr val="accent1"/>
-              </a:buClr>
-              <a:buSzPct val="100000"/>
-              <a:buFont typeface="Arial" panose="020B0604020202020204" pitchFamily="34" charset="0"/>
-              <a:buChar char="•"/>
-              <a:defRPr sz="1200" kern="1200" baseline="0">
-                <a:solidFill>
-                  <a:schemeClr val="tx1"/>
-                </a:solidFill>
-                <a:effectLst/>
-                <a:latin typeface="+mn-lt"/>
-                <a:ea typeface="+mn-ea"/>
-                <a:cs typeface="+mn-cs"/>
-              </a:defRPr>
-            </a:lvl9pPr>
-          </a:lstStyle>
-          <a:p>
-            <a:pPr marL="0" indent="0">
-              <a:buFont typeface="Arial" panose="020B0604020202020204" pitchFamily="34" charset="0"/>
-              <a:buNone/>
-            </a:pPr>
-            <a:r>
-              <a:rPr lang="pt-PT" dirty="0"/>
-              <a:t>Desempenho:</a:t>
-            </a:r>
-          </a:p>
-          <a:p>
-            <a:r>
-              <a:rPr lang="pt-PT" dirty="0"/>
-              <a:t>Rápida Autenticação</a:t>
-            </a:r>
-          </a:p>
-          <a:p>
-            <a:r>
-              <a:rPr lang="pt-PT" dirty="0"/>
-              <a:t>Navegabilidade Rápida</a:t>
-            </a:r>
-          </a:p>
-          <a:p>
-            <a:r>
-              <a:rPr lang="pt-PT" dirty="0"/>
-              <a:t>Escalabilidade da Plataforma</a:t>
-            </a:r>
-          </a:p>
-        </p:txBody>
-      </p:sp>
-      <p:sp>
-        <p:nvSpPr>
-          <p:cNvPr id="5" name="Marcador de Posição de Conteúdo 2">
-            <a:extLst>
-              <a:ext uri="{FF2B5EF4-FFF2-40B4-BE49-F238E27FC236}">
-                <a16:creationId xmlns:a16="http://schemas.microsoft.com/office/drawing/2014/main" id="{523D7428-4450-98A4-7C9A-A059F73C4BBB}"/>
-              </a:ext>
-            </a:extLst>
-          </p:cNvPr>
-          <p:cNvSpPr txBox="1">
-            <a:spLocks/>
-          </p:cNvSpPr>
-          <p:nvPr/>
-        </p:nvSpPr>
-        <p:spPr>
-          <a:xfrm>
-            <a:off x="8302021" y="2015731"/>
-            <a:ext cx="3425221" cy="3450613"/>
-          </a:xfrm>
-          <a:prstGeom prst="rect">
-            <a:avLst/>
-          </a:prstGeom>
-        </p:spPr>
-        <p:txBody>
-          <a:bodyPr vert="horz" lIns="91440" tIns="45720" rIns="91440" bIns="45720" rtlCol="0" anchor="t">
-            <a:normAutofit/>
-          </a:bodyPr>
-          <a:lstStyle>
-            <a:lvl1pPr marL="228600" indent="-228600" algn="l" defTabSz="914400" rtl="0" eaLnBrk="1" latinLnBrk="0" hangingPunct="1">
-              <a:lnSpc>
-                <a:spcPct val="120000"/>
-              </a:lnSpc>
-              <a:spcBef>
-                <a:spcPts val="1000"/>
-              </a:spcBef>
-              <a:buClr>
-                <a:schemeClr val="accent1"/>
-              </a:buClr>
-              <a:buSzPct val="100000"/>
-              <a:buFont typeface="Arial" panose="020B0604020202020204" pitchFamily="34" charset="0"/>
-              <a:buChar char="•"/>
-              <a:defRPr sz="2000" kern="1200">
-                <a:solidFill>
-                  <a:schemeClr val="tx1"/>
-                </a:solidFill>
-                <a:effectLst/>
-                <a:latin typeface="+mn-lt"/>
-                <a:ea typeface="+mn-ea"/>
-                <a:cs typeface="+mn-cs"/>
-              </a:defRPr>
-            </a:lvl1pPr>
-            <a:lvl2pPr marL="685800" indent="-228600" algn="l" defTabSz="914400" rtl="0" eaLnBrk="1" latinLnBrk="0" hangingPunct="1">
-              <a:lnSpc>
-                <a:spcPct val="120000"/>
-              </a:lnSpc>
-              <a:spcBef>
-                <a:spcPts val="500"/>
-              </a:spcBef>
-              <a:buClr>
-                <a:schemeClr val="accent1"/>
-              </a:buClr>
-              <a:buSzPct val="100000"/>
-              <a:buFont typeface="Arial" panose="020B0604020202020204" pitchFamily="34" charset="0"/>
-              <a:buChar char="•"/>
-              <a:defRPr sz="1800" kern="1200" cap="none" baseline="0">
-                <a:solidFill>
-                  <a:schemeClr val="tx1"/>
-                </a:solidFill>
-                <a:effectLst/>
-                <a:latin typeface="+mn-lt"/>
-                <a:ea typeface="+mn-ea"/>
-                <a:cs typeface="+mn-cs"/>
-              </a:defRPr>
-            </a:lvl2pPr>
-            <a:lvl3pPr marL="1143000" indent="-228600" algn="l" defTabSz="914400" rtl="0" eaLnBrk="1" latinLnBrk="0" hangingPunct="1">
-              <a:lnSpc>
-                <a:spcPct val="120000"/>
-              </a:lnSpc>
-              <a:spcBef>
-                <a:spcPts val="500"/>
-              </a:spcBef>
-              <a:buClr>
-                <a:schemeClr val="accent1"/>
-              </a:buClr>
-              <a:buSzPct val="100000"/>
-              <a:buFont typeface="Arial" panose="020B0604020202020204" pitchFamily="34" charset="0"/>
-              <a:buChar char="•"/>
-              <a:defRPr sz="1600" kern="1200">
-                <a:solidFill>
-                  <a:schemeClr val="tx1"/>
-                </a:solidFill>
-                <a:effectLst/>
-                <a:latin typeface="+mn-lt"/>
-                <a:ea typeface="+mn-ea"/>
-                <a:cs typeface="+mn-cs"/>
-              </a:defRPr>
-            </a:lvl3pPr>
-            <a:lvl4pPr marL="1600200" indent="-228600" algn="l" defTabSz="914400" rtl="0" eaLnBrk="1" latinLnBrk="0" hangingPunct="1">
-              <a:lnSpc>
-                <a:spcPct val="120000"/>
-              </a:lnSpc>
-              <a:spcBef>
-                <a:spcPts val="500"/>
-              </a:spcBef>
-              <a:buClr>
-                <a:schemeClr val="accent1"/>
-              </a:buClr>
-              <a:buSzPct val="100000"/>
-              <a:buFont typeface="Arial" panose="020B0604020202020204" pitchFamily="34" charset="0"/>
-              <a:buChar char="•"/>
-              <a:defRPr sz="1400" kern="1200" cap="none" baseline="0">
-                <a:solidFill>
-                  <a:schemeClr val="tx1"/>
-                </a:solidFill>
-                <a:effectLst/>
-                <a:latin typeface="+mn-lt"/>
-                <a:ea typeface="+mn-ea"/>
-                <a:cs typeface="+mn-cs"/>
-              </a:defRPr>
-            </a:lvl4pPr>
-            <a:lvl5pPr marL="2057400" indent="-228600" algn="l" defTabSz="914400" rtl="0" eaLnBrk="1" latinLnBrk="0" hangingPunct="1">
-              <a:lnSpc>
-                <a:spcPct val="120000"/>
-              </a:lnSpc>
-              <a:spcBef>
-                <a:spcPts val="500"/>
-              </a:spcBef>
-              <a:buClr>
-                <a:schemeClr val="accent1"/>
-              </a:buClr>
-              <a:buSzPct val="100000"/>
-              <a:buFont typeface="Arial" panose="020B0604020202020204" pitchFamily="34" charset="0"/>
-              <a:buChar char="•"/>
-              <a:defRPr sz="1200" kern="1200">
-                <a:solidFill>
-                  <a:schemeClr val="tx1"/>
-                </a:solidFill>
-                <a:effectLst/>
-                <a:latin typeface="+mn-lt"/>
-                <a:ea typeface="+mn-ea"/>
-                <a:cs typeface="+mn-cs"/>
-              </a:defRPr>
-            </a:lvl5pPr>
-            <a:lvl6pPr marL="2514600" indent="-228600" algn="l" defTabSz="914400" rtl="0" eaLnBrk="1" latinLnBrk="0" hangingPunct="1">
-              <a:lnSpc>
-                <a:spcPct val="120000"/>
-              </a:lnSpc>
-              <a:spcBef>
-                <a:spcPts val="500"/>
-              </a:spcBef>
-              <a:buClr>
-                <a:schemeClr val="accent1"/>
-              </a:buClr>
-              <a:buSzPct val="100000"/>
-              <a:buFont typeface="Arial" panose="020B0604020202020204" pitchFamily="34" charset="0"/>
-              <a:buChar char="•"/>
-              <a:defRPr sz="1200" kern="1200">
-                <a:solidFill>
-                  <a:schemeClr val="tx1"/>
-                </a:solidFill>
-                <a:effectLst/>
-                <a:latin typeface="+mn-lt"/>
-                <a:ea typeface="+mn-ea"/>
-                <a:cs typeface="+mn-cs"/>
-              </a:defRPr>
-            </a:lvl6pPr>
-            <a:lvl7pPr marL="2971800" indent="-228600" algn="l" defTabSz="914400" rtl="0" eaLnBrk="1" latinLnBrk="0" hangingPunct="1">
-              <a:lnSpc>
-                <a:spcPct val="120000"/>
-              </a:lnSpc>
-              <a:spcBef>
-                <a:spcPts val="500"/>
-              </a:spcBef>
-              <a:buClr>
-                <a:schemeClr val="accent1"/>
-              </a:buClr>
-              <a:buSzPct val="100000"/>
-              <a:buFont typeface="Arial" panose="020B0604020202020204" pitchFamily="34" charset="0"/>
-              <a:buChar char="•"/>
-              <a:defRPr sz="1200" kern="1200">
-                <a:solidFill>
-                  <a:schemeClr val="tx1"/>
-                </a:solidFill>
-                <a:effectLst/>
-                <a:latin typeface="+mn-lt"/>
-                <a:ea typeface="+mn-ea"/>
-                <a:cs typeface="+mn-cs"/>
-              </a:defRPr>
-            </a:lvl7pPr>
-            <a:lvl8pPr marL="3429000" indent="-228600" algn="l" defTabSz="914400" rtl="0" eaLnBrk="1" latinLnBrk="0" hangingPunct="1">
-              <a:lnSpc>
-                <a:spcPct val="120000"/>
-              </a:lnSpc>
-              <a:spcBef>
-                <a:spcPts val="500"/>
-              </a:spcBef>
-              <a:buClr>
-                <a:schemeClr val="accent1"/>
-              </a:buClr>
-              <a:buSzPct val="100000"/>
-              <a:buFont typeface="Arial" panose="020B0604020202020204" pitchFamily="34" charset="0"/>
-              <a:buChar char="•"/>
-              <a:defRPr sz="1200" kern="1200" baseline="0">
-                <a:solidFill>
-                  <a:schemeClr val="tx1"/>
-                </a:solidFill>
-                <a:effectLst/>
-                <a:latin typeface="+mn-lt"/>
-                <a:ea typeface="+mn-ea"/>
-                <a:cs typeface="+mn-cs"/>
-              </a:defRPr>
-            </a:lvl8pPr>
-            <a:lvl9pPr marL="3886200" indent="-228600" algn="l" defTabSz="914400" rtl="0" eaLnBrk="1" latinLnBrk="0" hangingPunct="1">
-              <a:lnSpc>
-                <a:spcPct val="120000"/>
-              </a:lnSpc>
-              <a:spcBef>
-                <a:spcPts val="500"/>
-              </a:spcBef>
-              <a:buClr>
-                <a:schemeClr val="accent1"/>
-              </a:buClr>
-              <a:buSzPct val="100000"/>
-              <a:buFont typeface="Arial" panose="020B0604020202020204" pitchFamily="34" charset="0"/>
-              <a:buChar char="•"/>
-              <a:defRPr sz="1200" kern="1200" baseline="0">
-                <a:solidFill>
-                  <a:schemeClr val="tx1"/>
-                </a:solidFill>
-                <a:effectLst/>
-                <a:latin typeface="+mn-lt"/>
-                <a:ea typeface="+mn-ea"/>
-                <a:cs typeface="+mn-cs"/>
-              </a:defRPr>
-            </a:lvl9pPr>
-          </a:lstStyle>
-          <a:p>
-            <a:pPr marL="0" indent="0">
-              <a:buFont typeface="Arial" panose="020B0604020202020204" pitchFamily="34" charset="0"/>
-              <a:buNone/>
-            </a:pPr>
-            <a:r>
-              <a:rPr lang="pt-PT" dirty="0"/>
-              <a:t>Segurança:</a:t>
-            </a:r>
-          </a:p>
-          <a:p>
-            <a:r>
-              <a:rPr lang="pt-PT" dirty="0"/>
-              <a:t>Deteção de inatividade</a:t>
-            </a:r>
-          </a:p>
-          <a:p>
-            <a:r>
-              <a:rPr lang="pt-PT" dirty="0"/>
-              <a:t>Uso de 2FA</a:t>
-            </a:r>
-          </a:p>
-          <a:p>
-            <a:r>
-              <a:rPr lang="pt-PT" dirty="0"/>
-              <a:t>Sem registos de mensagens</a:t>
+              <a:t>Para evitar contas duplicadas, cada nome de utilizador e email serão únicos a cada utilizador</a:t>
             </a:r>
           </a:p>
         </p:txBody>
@@ -8989,7 +8172,7 @@
     </p:spTree>
     <p:extLst>
       <p:ext uri="{BB962C8B-B14F-4D97-AF65-F5344CB8AC3E}">
-        <p14:creationId xmlns:p14="http://schemas.microsoft.com/office/powerpoint/2010/main" val="1586823910"/>
+        <p14:creationId xmlns:p14="http://schemas.microsoft.com/office/powerpoint/2010/main" val="831434331"/>
       </p:ext>
     </p:extLst>
   </p:cSld>
@@ -11704,12 +10887,11 @@
 </file>
 
 <file path=customXml/item1.xml><?xml version="1.0" encoding="utf-8"?>
-<?mso-contentType ?>
-<FormTemplates xmlns="http://schemas.microsoft.com/sharepoint/v3/contenttype/forms">
-  <Display>DocumentLibraryForm</Display>
-  <Edit>DocumentLibraryForm</Edit>
-  <New>DocumentLibraryForm</New>
-</FormTemplates>
+<p:properties xmlns:p="http://schemas.microsoft.com/office/2006/metadata/properties" xmlns:xsi="http://www.w3.org/2001/XMLSchema-instance" xmlns:pc="http://schemas.microsoft.com/office/infopath/2007/PartnerControls">
+  <documentManagement>
+    <MediaServiceKeyPoints xmlns="71af3243-3dd4-4a8d-8c0d-dd76da1f02a5" xsi:nil="true"/>
+  </documentManagement>
+</p:properties>
 </file>
 
 <file path=customXml/item2.xml><?xml version="1.0" encoding="utf-8"?>
@@ -11924,17 +11106,27 @@
 </file>
 
 <file path=customXml/item3.xml><?xml version="1.0" encoding="utf-8"?>
-<p:properties xmlns:p="http://schemas.microsoft.com/office/2006/metadata/properties" xmlns:xsi="http://www.w3.org/2001/XMLSchema-instance" xmlns:pc="http://schemas.microsoft.com/office/infopath/2007/PartnerControls">
-  <documentManagement>
-    <MediaServiceKeyPoints xmlns="71af3243-3dd4-4a8d-8c0d-dd76da1f02a5" xsi:nil="true"/>
-  </documentManagement>
-</p:properties>
+<?mso-contentType ?>
+<FormTemplates xmlns="http://schemas.microsoft.com/sharepoint/v3/contenttype/forms">
+  <Display>DocumentLibraryForm</Display>
+  <Edit>DocumentLibraryForm</Edit>
+  <New>DocumentLibraryForm</New>
+</FormTemplates>
 </file>
 
 <file path=customXml/itemProps1.xml><?xml version="1.0" encoding="utf-8"?>
-<ds:datastoreItem xmlns:ds="http://schemas.openxmlformats.org/officeDocument/2006/customXml" ds:itemID="{BCF9EC99-89FF-486C-9E02-31E13FD72E16}">
+<ds:datastoreItem xmlns:ds="http://schemas.openxmlformats.org/officeDocument/2006/customXml" ds:itemID="{0DAABB37-1599-4AE8-818C-82E84CA93DF4}">
   <ds:schemaRefs>
-    <ds:schemaRef ds:uri="http://schemas.microsoft.com/sharepoint/v3/contenttype/forms"/>
+    <ds:schemaRef ds:uri="http://purl.org/dc/elements/1.1/"/>
+    <ds:schemaRef ds:uri="http://schemas.microsoft.com/office/infopath/2007/PartnerControls"/>
+    <ds:schemaRef ds:uri="http://purl.org/dc/dcmitype/"/>
+    <ds:schemaRef ds:uri="71af3243-3dd4-4a8d-8c0d-dd76da1f02a5"/>
+    <ds:schemaRef ds:uri="16c05727-aa75-4e4a-9b5f-8a80a1165891"/>
+    <ds:schemaRef ds:uri="http://purl.org/dc/terms/"/>
+    <ds:schemaRef ds:uri="http://schemas.microsoft.com/office/2006/documentManagement/types"/>
+    <ds:schemaRef ds:uri="http://schemas.openxmlformats.org/package/2006/metadata/core-properties"/>
+    <ds:schemaRef ds:uri="http://schemas.microsoft.com/office/2006/metadata/properties"/>
+    <ds:schemaRef ds:uri="http://www.w3.org/XML/1998/namespace"/>
   </ds:schemaRefs>
 </ds:datastoreItem>
 </file>
@@ -11959,18 +11151,9 @@
 </file>
 
 <file path=customXml/itemProps3.xml><?xml version="1.0" encoding="utf-8"?>
-<ds:datastoreItem xmlns:ds="http://schemas.openxmlformats.org/officeDocument/2006/customXml" ds:itemID="{0DAABB37-1599-4AE8-818C-82E84CA93DF4}">
+<ds:datastoreItem xmlns:ds="http://schemas.openxmlformats.org/officeDocument/2006/customXml" ds:itemID="{BCF9EC99-89FF-486C-9E02-31E13FD72E16}">
   <ds:schemaRefs>
-    <ds:schemaRef ds:uri="http://purl.org/dc/elements/1.1/"/>
-    <ds:schemaRef ds:uri="http://schemas.microsoft.com/office/infopath/2007/PartnerControls"/>
-    <ds:schemaRef ds:uri="http://purl.org/dc/dcmitype/"/>
-    <ds:schemaRef ds:uri="71af3243-3dd4-4a8d-8c0d-dd76da1f02a5"/>
-    <ds:schemaRef ds:uri="16c05727-aa75-4e4a-9b5f-8a80a1165891"/>
-    <ds:schemaRef ds:uri="http://purl.org/dc/terms/"/>
-    <ds:schemaRef ds:uri="http://schemas.microsoft.com/office/2006/documentManagement/types"/>
-    <ds:schemaRef ds:uri="http://schemas.openxmlformats.org/package/2006/metadata/core-properties"/>
-    <ds:schemaRef ds:uri="http://schemas.microsoft.com/office/2006/metadata/properties"/>
-    <ds:schemaRef ds:uri="http://www.w3.org/XML/1998/namespace"/>
+    <ds:schemaRef ds:uri="http://schemas.microsoft.com/sharepoint/v3/contenttype/forms"/>
   </ds:schemaRefs>
 </ds:datastoreItem>
 </file>